--- a/宣道詩/(宣道詩139)耶穌恩友.pptx
+++ b/宣道詩/(宣道詩139)耶穌恩友.pptx
@@ -5,12 +5,19 @@
     <p:sldMasterId id="2147483672" r:id="rId1"/>
   </p:sldMasterIdLst>
   <p:sldIdLst>
-    <p:sldId id="256" r:id="rId2"/>
-    <p:sldId id="257" r:id="rId3"/>
-    <p:sldId id="258" r:id="rId4"/>
-    <p:sldId id="259" r:id="rId5"/>
-    <p:sldId id="260" r:id="rId6"/>
-    <p:sldId id="261" r:id="rId7"/>
+    <p:sldId id="262" r:id="rId2"/>
+    <p:sldId id="263" r:id="rId3"/>
+    <p:sldId id="264" r:id="rId4"/>
+    <p:sldId id="265" r:id="rId5"/>
+    <p:sldId id="266" r:id="rId6"/>
+    <p:sldId id="267" r:id="rId7"/>
+    <p:sldId id="268" r:id="rId8"/>
+    <p:sldId id="269" r:id="rId9"/>
+    <p:sldId id="270" r:id="rId10"/>
+    <p:sldId id="271" r:id="rId11"/>
+    <p:sldId id="272" r:id="rId12"/>
+    <p:sldId id="273" r:id="rId13"/>
+    <p:sldId id="274" r:id="rId14"/>
   </p:sldIdLst>
   <p:sldSz cx="9144000" cy="5143500" type="screen16x9"/>
   <p:notesSz cx="6858000" cy="9144000"/>
@@ -109,6 +116,22 @@
       </a:defRPr>
     </a:lvl9pPr>
   </p:defaultTextStyle>
+  <p:extLst>
+    <p:ext uri="{EFAFB233-063F-42B5-8137-9DF3F51BA10A}">
+      <p15:sldGuideLst xmlns:p15="http://schemas.microsoft.com/office/powerpoint/2012/main">
+        <p15:guide id="1" orient="horz" pos="1620">
+          <p15:clr>
+            <a:srgbClr val="A4A3A4"/>
+          </p15:clr>
+        </p15:guide>
+        <p15:guide id="2" pos="2880">
+          <p15:clr>
+            <a:srgbClr val="A4A3A4"/>
+          </p15:clr>
+        </p15:guide>
+      </p15:sldGuideLst>
+    </p:ext>
+  </p:extLst>
 </p:presentation>
 </file>
 
@@ -294,7 +317,7 @@
             <a:fld id="{D04041B9-F864-44C2-A985-02331B6A2E1A}" type="datetimeFigureOut">
               <a:rPr lang="zh-TW" altLang="en-US" smtClean="0"/>
               <a:pPr/>
-              <a:t>2019/8/3</a:t>
+              <a:t>2021/7/20</a:t>
             </a:fld>
             <a:endParaRPr lang="zh-TW" altLang="en-US"/>
           </a:p>
@@ -461,7 +484,7 @@
             <a:fld id="{D04041B9-F864-44C2-A985-02331B6A2E1A}" type="datetimeFigureOut">
               <a:rPr lang="zh-TW" altLang="en-US" smtClean="0"/>
               <a:pPr/>
-              <a:t>2019/8/3</a:t>
+              <a:t>2021/7/20</a:t>
             </a:fld>
             <a:endParaRPr lang="zh-TW" altLang="en-US"/>
           </a:p>
@@ -638,7 +661,7 @@
             <a:fld id="{D04041B9-F864-44C2-A985-02331B6A2E1A}" type="datetimeFigureOut">
               <a:rPr lang="zh-TW" altLang="en-US" smtClean="0"/>
               <a:pPr/>
-              <a:t>2019/8/3</a:t>
+              <a:t>2021/7/20</a:t>
             </a:fld>
             <a:endParaRPr lang="zh-TW" altLang="en-US"/>
           </a:p>
@@ -805,7 +828,7 @@
             <a:fld id="{D04041B9-F864-44C2-A985-02331B6A2E1A}" type="datetimeFigureOut">
               <a:rPr lang="zh-TW" altLang="en-US" smtClean="0"/>
               <a:pPr/>
-              <a:t>2019/8/3</a:t>
+              <a:t>2021/7/20</a:t>
             </a:fld>
             <a:endParaRPr lang="zh-TW" altLang="en-US"/>
           </a:p>
@@ -1048,7 +1071,7 @@
             <a:fld id="{D04041B9-F864-44C2-A985-02331B6A2E1A}" type="datetimeFigureOut">
               <a:rPr lang="zh-TW" altLang="en-US" smtClean="0"/>
               <a:pPr/>
-              <a:t>2019/8/3</a:t>
+              <a:t>2021/7/20</a:t>
             </a:fld>
             <a:endParaRPr lang="zh-TW" altLang="en-US"/>
           </a:p>
@@ -1333,7 +1356,7 @@
             <a:fld id="{D04041B9-F864-44C2-A985-02331B6A2E1A}" type="datetimeFigureOut">
               <a:rPr lang="zh-TW" altLang="en-US" smtClean="0"/>
               <a:pPr/>
-              <a:t>2019/8/3</a:t>
+              <a:t>2021/7/20</a:t>
             </a:fld>
             <a:endParaRPr lang="zh-TW" altLang="en-US"/>
           </a:p>
@@ -1752,7 +1775,7 @@
             <a:fld id="{D04041B9-F864-44C2-A985-02331B6A2E1A}" type="datetimeFigureOut">
               <a:rPr lang="zh-TW" altLang="en-US" smtClean="0"/>
               <a:pPr/>
-              <a:t>2019/8/3</a:t>
+              <a:t>2021/7/20</a:t>
             </a:fld>
             <a:endParaRPr lang="zh-TW" altLang="en-US"/>
           </a:p>
@@ -1867,7 +1890,7 @@
             <a:fld id="{D04041B9-F864-44C2-A985-02331B6A2E1A}" type="datetimeFigureOut">
               <a:rPr lang="zh-TW" altLang="en-US" smtClean="0"/>
               <a:pPr/>
-              <a:t>2019/8/3</a:t>
+              <a:t>2021/7/20</a:t>
             </a:fld>
             <a:endParaRPr lang="zh-TW" altLang="en-US"/>
           </a:p>
@@ -1959,7 +1982,7 @@
             <a:fld id="{D04041B9-F864-44C2-A985-02331B6A2E1A}" type="datetimeFigureOut">
               <a:rPr lang="zh-TW" altLang="en-US" smtClean="0"/>
               <a:pPr/>
-              <a:t>2019/8/3</a:t>
+              <a:t>2021/7/20</a:t>
             </a:fld>
             <a:endParaRPr lang="zh-TW" altLang="en-US"/>
           </a:p>
@@ -2233,7 +2256,7 @@
             <a:fld id="{D04041B9-F864-44C2-A985-02331B6A2E1A}" type="datetimeFigureOut">
               <a:rPr lang="zh-TW" altLang="en-US" smtClean="0"/>
               <a:pPr/>
-              <a:t>2019/8/3</a:t>
+              <a:t>2021/7/20</a:t>
             </a:fld>
             <a:endParaRPr lang="zh-TW" altLang="en-US"/>
           </a:p>
@@ -2487,7 +2510,7 @@
             <a:fld id="{D04041B9-F864-44C2-A985-02331B6A2E1A}" type="datetimeFigureOut">
               <a:rPr lang="zh-TW" altLang="en-US" smtClean="0"/>
               <a:pPr/>
-              <a:t>2019/8/3</a:t>
+              <a:t>2021/7/20</a:t>
             </a:fld>
             <a:endParaRPr lang="zh-TW" altLang="en-US"/>
           </a:p>
@@ -2702,7 +2725,7 @@
             <a:fld id="{D04041B9-F864-44C2-A985-02331B6A2E1A}" type="datetimeFigureOut">
               <a:rPr lang="zh-TW" altLang="en-US" smtClean="0"/>
               <a:pPr/>
-              <a:t>2019/8/3</a:t>
+              <a:t>2021/7/20</a:t>
             </a:fld>
             <a:endParaRPr lang="zh-TW" altLang="en-US"/>
           </a:p>
@@ -3083,24 +3106,209 @@
             <p:ph type="title"/>
           </p:nvPr>
         </p:nvSpPr>
-        <p:spPr/>
+        <p:spPr>
+          <a:xfrm>
+            <a:off x="0" y="1995686"/>
+            <a:ext cx="9144000" cy="857250"/>
+          </a:xfrm>
+        </p:spPr>
         <p:txBody>
           <a:bodyPr>
-            <a:normAutofit/>
+            <a:noAutofit/>
           </a:bodyPr>
           <a:lstStyle/>
           <a:p>
             <a:r>
-              <a:rPr lang="zh-CN" altLang="en-US" sz="4000" b="1" dirty="0" smtClean="0">
-                <a:solidFill>
-                  <a:srgbClr val="000066"/>
-                </a:solidFill>
+              <a:rPr lang="zh-CN" altLang="en-US" sz="4000" b="1" u="sng" dirty="0">
+                <a:solidFill>
+                  <a:srgbClr val="660033"/>
+                </a:solidFill>
+                <a:effectLst>
+                  <a:outerShdw blurRad="38100" dist="38100" dir="2700000" algn="tl">
+                    <a:srgbClr val="000000">
+                      <a:alpha val="43137"/>
+                    </a:srgbClr>
+                  </a:outerShdw>
+                </a:effectLst>
                 <a:latin typeface="微軟正黑體" pitchFamily="34" charset="-120"/>
                 <a:ea typeface="微軟正黑體" pitchFamily="34" charset="-120"/>
               </a:rPr>
-              <a:t>耶穌恩友</a:t>
-            </a:r>
-            <a:endParaRPr lang="zh-TW" altLang="en-US" sz="4000" b="1" dirty="0">
+              <a:t>宣道詩 </a:t>
+            </a:r>
+            <a:r>
+              <a:rPr lang="en-US" altLang="zh-CN" sz="4000" b="1" u="sng" dirty="0" smtClean="0">
+                <a:solidFill>
+                  <a:srgbClr val="660033"/>
+                </a:solidFill>
+                <a:effectLst>
+                  <a:outerShdw blurRad="38100" dist="38100" dir="2700000" algn="tl">
+                    <a:srgbClr val="000000">
+                      <a:alpha val="43137"/>
+                    </a:srgbClr>
+                  </a:outerShdw>
+                </a:effectLst>
+                <a:latin typeface="微軟正黑體" pitchFamily="34" charset="-120"/>
+                <a:ea typeface="微軟正黑體" pitchFamily="34" charset="-120"/>
+              </a:rPr>
+              <a:t>139</a:t>
+            </a:r>
+            <a:r>
+              <a:rPr lang="en-US" altLang="zh-CN" sz="5400" b="1" i="1" dirty="0">
+                <a:solidFill>
+                  <a:srgbClr val="660033"/>
+                </a:solidFill>
+                <a:effectLst>
+                  <a:outerShdw blurRad="38100" dist="38100" dir="2700000" algn="tl">
+                    <a:srgbClr val="000000">
+                      <a:alpha val="43137"/>
+                    </a:srgbClr>
+                  </a:outerShdw>
+                </a:effectLst>
+                <a:latin typeface="微軟正黑體" pitchFamily="34" charset="-120"/>
+                <a:ea typeface="微軟正黑體" pitchFamily="34" charset="-120"/>
+              </a:rPr>
+              <a:t/>
+            </a:r>
+            <a:br>
+              <a:rPr lang="en-US" altLang="zh-CN" sz="5400" b="1" i="1" dirty="0">
+                <a:solidFill>
+                  <a:srgbClr val="660033"/>
+                </a:solidFill>
+                <a:effectLst>
+                  <a:outerShdw blurRad="38100" dist="38100" dir="2700000" algn="tl">
+                    <a:srgbClr val="000000">
+                      <a:alpha val="43137"/>
+                    </a:srgbClr>
+                  </a:outerShdw>
+                </a:effectLst>
+                <a:latin typeface="微軟正黑體" pitchFamily="34" charset="-120"/>
+                <a:ea typeface="微軟正黑體" pitchFamily="34" charset="-120"/>
+              </a:rPr>
+            </a:br>
+            <a:r>
+              <a:rPr lang="zh-CN" altLang="en-US" sz="6000" b="1" dirty="0" smtClean="0">
+                <a:solidFill>
+                  <a:srgbClr val="000066"/>
+                </a:solidFill>
+                <a:effectLst>
+                  <a:outerShdw blurRad="38100" dist="38100" dir="2700000" algn="tl">
+                    <a:srgbClr val="000000">
+                      <a:alpha val="43137"/>
+                    </a:srgbClr>
+                  </a:outerShdw>
+                </a:effectLst>
+                <a:latin typeface="微軟正黑體" pitchFamily="34" charset="-120"/>
+                <a:ea typeface="微軟正黑體" pitchFamily="34" charset="-120"/>
+              </a:rPr>
+              <a:t>耶</a:t>
+            </a:r>
+            <a:r>
+              <a:rPr lang="zh-CN" altLang="en-US" sz="6000" b="1" dirty="0">
+                <a:solidFill>
+                  <a:srgbClr val="000066"/>
+                </a:solidFill>
+                <a:effectLst>
+                  <a:outerShdw blurRad="38100" dist="38100" dir="2700000" algn="tl">
+                    <a:srgbClr val="000000">
+                      <a:alpha val="43137"/>
+                    </a:srgbClr>
+                  </a:outerShdw>
+                </a:effectLst>
+                <a:latin typeface="微軟正黑體" pitchFamily="34" charset="-120"/>
+                <a:ea typeface="微軟正黑體" pitchFamily="34" charset="-120"/>
+              </a:rPr>
+              <a:t>穌恩友</a:t>
+            </a:r>
+            <a:endParaRPr lang="zh-TW" altLang="en-US" sz="6000" b="1" dirty="0">
+              <a:solidFill>
+                <a:srgbClr val="000066"/>
+              </a:solidFill>
+              <a:effectLst>
+                <a:outerShdw blurRad="38100" dist="38100" dir="2700000" algn="tl">
+                  <a:srgbClr val="000000">
+                    <a:alpha val="43137"/>
+                  </a:srgbClr>
+                </a:outerShdw>
+              </a:effectLst>
+              <a:latin typeface="微軟正黑體" pitchFamily="34" charset="-120"/>
+              <a:ea typeface="微軟正黑體" pitchFamily="34" charset="-120"/>
+            </a:endParaRPr>
+          </a:p>
+        </p:txBody>
+      </p:sp>
+    </p:spTree>
+    <p:extLst>
+      <p:ext uri="{BB962C8B-B14F-4D97-AF65-F5344CB8AC3E}">
+        <p14:creationId xmlns:p14="http://schemas.microsoft.com/office/powerpoint/2010/main" val="4164697548"/>
+      </p:ext>
+    </p:extLst>
+  </p:cSld>
+  <p:clrMapOvr>
+    <a:masterClrMapping/>
+  </p:clrMapOvr>
+  <p:timing>
+    <p:tnLst>
+      <p:par>
+        <p:cTn id="1" dur="indefinite" restart="never" nodeType="tmRoot"/>
+      </p:par>
+    </p:tnLst>
+  </p:timing>
+</p:sld>
+</file>
+
+<file path=ppt/slides/slide10.xml><?xml version="1.0" encoding="utf-8"?>
+<p:sld xmlns:a="http://schemas.openxmlformats.org/drawingml/2006/main" xmlns:r="http://schemas.openxmlformats.org/officeDocument/2006/relationships" xmlns:p="http://schemas.openxmlformats.org/presentationml/2006/main">
+  <p:cSld>
+    <p:spTree>
+      <p:nvGrpSpPr>
+        <p:cNvPr id="1" name=""/>
+        <p:cNvGrpSpPr/>
+        <p:nvPr/>
+      </p:nvGrpSpPr>
+      <p:grpSpPr>
+        <a:xfrm>
+          <a:off x="0" y="0"/>
+          <a:ext cx="0" cy="0"/>
+          <a:chOff x="0" y="0"/>
+          <a:chExt cx="0" cy="0"/>
+        </a:xfrm>
+      </p:grpSpPr>
+      <p:sp>
+        <p:nvSpPr>
+          <p:cNvPr id="5" name="內容版面配置區 4"/>
+          <p:cNvSpPr>
+            <a:spLocks noGrp="1"/>
+          </p:cNvSpPr>
+          <p:nvPr>
+            <p:ph idx="1"/>
+          </p:nvPr>
+        </p:nvSpPr>
+        <p:spPr>
+          <a:xfrm>
+            <a:off x="0" y="1563639"/>
+            <a:ext cx="9144000" cy="1803647"/>
+          </a:xfrm>
+        </p:spPr>
+        <p:txBody>
+          <a:bodyPr anchor="ctr">
+            <a:normAutofit/>
+          </a:bodyPr>
+          <a:lstStyle/>
+          <a:p>
+            <a:pPr algn="ctr">
+              <a:buNone/>
+            </a:pPr>
+            <a:r>
+              <a:rPr lang="zh-CN" altLang="en-US" sz="4800" b="1" dirty="0">
+                <a:solidFill>
+                  <a:srgbClr val="000066"/>
+                </a:solidFill>
+                <a:latin typeface="微軟正黑體" pitchFamily="34" charset="-120"/>
+                <a:ea typeface="微軟正黑體" pitchFamily="34" charset="-120"/>
+              </a:rPr>
+              <a:t>時而軟弱多有愁苦</a:t>
+            </a:r>
+            <a:endParaRPr lang="en-US" altLang="zh-CN" sz="4800" b="1" dirty="0">
               <a:solidFill>
                 <a:srgbClr val="000066"/>
               </a:solidFill>
@@ -3108,54 +3316,21 @@
               <a:ea typeface="微軟正黑體" pitchFamily="34" charset="-120"/>
             </a:endParaRPr>
           </a:p>
-        </p:txBody>
-      </p:sp>
-      <p:sp>
-        <p:nvSpPr>
-          <p:cNvPr id="5" name="內容版面配置區 4"/>
-          <p:cNvSpPr>
-            <a:spLocks noGrp="1"/>
-          </p:cNvSpPr>
-          <p:nvPr>
-            <p:ph idx="1"/>
-          </p:nvPr>
-        </p:nvSpPr>
-        <p:spPr>
-          <a:xfrm>
-            <a:off x="35496" y="1200151"/>
-            <a:ext cx="9108504" cy="3394472"/>
-          </a:xfrm>
-        </p:spPr>
-        <p:txBody>
-          <a:bodyPr>
-            <a:noAutofit/>
-          </a:bodyPr>
-          <a:lstStyle/>
           <a:p>
             <a:pPr algn="ctr">
               <a:buNone/>
             </a:pPr>
             <a:r>
-              <a:rPr lang="zh-CN" altLang="en-US" sz="4800" b="1" dirty="0" smtClean="0">
+              <a:rPr lang="zh-CN" altLang="en-US" sz="4800" b="1" dirty="0">
                 <a:solidFill>
                   <a:srgbClr val="000066"/>
                 </a:solidFill>
                 <a:latin typeface="微軟正黑體" pitchFamily="34" charset="-120"/>
                 <a:ea typeface="微軟正黑體" pitchFamily="34" charset="-120"/>
               </a:rPr>
-              <a:t>救主為我親愛知</a:t>
-            </a:r>
-            <a:r>
-              <a:rPr lang="zh-CN" altLang="en-US" sz="4800" b="1" dirty="0" smtClean="0">
-                <a:solidFill>
-                  <a:srgbClr val="000066"/>
-                </a:solidFill>
-                <a:latin typeface="微軟正黑體" pitchFamily="34" charset="-120"/>
-                <a:ea typeface="微軟正黑體" pitchFamily="34" charset="-120"/>
-              </a:rPr>
-              <a:t>心</a:t>
-            </a:r>
-            <a:endParaRPr lang="en-US" altLang="zh-CN" sz="4800" b="1" dirty="0" smtClean="0">
+              <a:t>事務煩矣且無謀</a:t>
+            </a:r>
+            <a:endParaRPr lang="en-US" altLang="zh-CN" sz="4800" b="1" dirty="0">
               <a:solidFill>
                 <a:srgbClr val="000066"/>
               </a:solidFill>
@@ -3163,21 +3338,140 @@
               <a:ea typeface="微軟正黑體" pitchFamily="34" charset="-120"/>
             </a:endParaRPr>
           </a:p>
+        </p:txBody>
+      </p:sp>
+      <p:sp>
+        <p:nvSpPr>
+          <p:cNvPr id="3" name="TextBox 2"/>
+          <p:cNvSpPr txBox="1"/>
+          <p:nvPr/>
+        </p:nvSpPr>
+        <p:spPr>
+          <a:xfrm>
+            <a:off x="0" y="3803914"/>
+            <a:ext cx="9144000" cy="646331"/>
+          </a:xfrm>
+          <a:prstGeom prst="rect">
+            <a:avLst/>
+          </a:prstGeom>
+          <a:noFill/>
+        </p:spPr>
+        <p:txBody>
+          <a:bodyPr wrap="square" rtlCol="0">
+            <a:spAutoFit/>
+          </a:bodyPr>
+          <a:lstStyle/>
+          <a:p>
+            <a:pPr algn="ctr"/>
+            <a:r>
+              <a:rPr lang="en-US" sz="3600" b="1" dirty="0">
+                <a:solidFill>
+                  <a:srgbClr val="000066"/>
+                </a:solidFill>
+                <a:effectLst/>
+              </a:rPr>
+              <a:t>( </a:t>
+            </a:r>
+            <a:r>
+              <a:rPr lang="en-US" sz="3600" b="1" dirty="0" smtClean="0">
+                <a:solidFill>
+                  <a:srgbClr val="000066"/>
+                </a:solidFill>
+                <a:effectLst/>
+              </a:rPr>
+              <a:t>3 </a:t>
+            </a:r>
+            <a:r>
+              <a:rPr lang="en-US" sz="3600" b="1" dirty="0">
+                <a:solidFill>
+                  <a:srgbClr val="000066"/>
+                </a:solidFill>
+                <a:effectLst/>
+              </a:rPr>
+              <a:t>)</a:t>
+            </a:r>
+            <a:endParaRPr lang="vi-VN" sz="3600" b="1" dirty="0">
+              <a:solidFill>
+                <a:srgbClr val="000066"/>
+              </a:solidFill>
+              <a:effectLst/>
+            </a:endParaRPr>
+          </a:p>
+        </p:txBody>
+      </p:sp>
+    </p:spTree>
+    <p:extLst>
+      <p:ext uri="{BB962C8B-B14F-4D97-AF65-F5344CB8AC3E}">
+        <p14:creationId xmlns:p14="http://schemas.microsoft.com/office/powerpoint/2010/main" val="4241891449"/>
+      </p:ext>
+    </p:extLst>
+  </p:cSld>
+  <p:clrMapOvr>
+    <a:masterClrMapping/>
+  </p:clrMapOvr>
+  <p:timing>
+    <p:tnLst>
+      <p:par>
+        <p:cTn id="1" dur="indefinite" restart="never" nodeType="tmRoot"/>
+      </p:par>
+    </p:tnLst>
+  </p:timing>
+</p:sld>
+</file>
+
+<file path=ppt/slides/slide11.xml><?xml version="1.0" encoding="utf-8"?>
+<p:sld xmlns:a="http://schemas.openxmlformats.org/drawingml/2006/main" xmlns:r="http://schemas.openxmlformats.org/officeDocument/2006/relationships" xmlns:p="http://schemas.openxmlformats.org/presentationml/2006/main">
+  <p:cSld>
+    <p:spTree>
+      <p:nvGrpSpPr>
+        <p:cNvPr id="1" name=""/>
+        <p:cNvGrpSpPr/>
+        <p:nvPr/>
+      </p:nvGrpSpPr>
+      <p:grpSpPr>
+        <a:xfrm>
+          <a:off x="0" y="0"/>
+          <a:ext cx="0" cy="0"/>
+          <a:chOff x="0" y="0"/>
+          <a:chExt cx="0" cy="0"/>
+        </a:xfrm>
+      </p:grpSpPr>
+      <p:sp>
+        <p:nvSpPr>
+          <p:cNvPr id="5" name="內容版面配置區 4"/>
+          <p:cNvSpPr>
+            <a:spLocks noGrp="1"/>
+          </p:cNvSpPr>
+          <p:nvPr>
+            <p:ph idx="1"/>
+          </p:nvPr>
+        </p:nvSpPr>
+        <p:spPr>
+          <a:xfrm>
+            <a:off x="0" y="1563639"/>
+            <a:ext cx="9144000" cy="1803647"/>
+          </a:xfrm>
+        </p:spPr>
+        <p:txBody>
+          <a:bodyPr anchor="ctr">
+            <a:normAutofit/>
+          </a:bodyPr>
+          <a:lstStyle/>
           <a:p>
             <a:pPr algn="ctr">
               <a:buNone/>
             </a:pPr>
             <a:r>
-              <a:rPr lang="zh-CN" altLang="en-US" sz="4800" b="1" dirty="0" smtClean="0">
+              <a:rPr lang="zh-CN" altLang="en-US" sz="4800" b="1" dirty="0">
                 <a:solidFill>
                   <a:srgbClr val="000066"/>
                 </a:solidFill>
                 <a:latin typeface="微軟正黑體" pitchFamily="34" charset="-120"/>
                 <a:ea typeface="微軟正黑體" pitchFamily="34" charset="-120"/>
               </a:rPr>
-              <a:t>擔當我諸般苦憂</a:t>
-            </a:r>
-            <a:endParaRPr lang="en-US" altLang="zh-CN" sz="4800" b="1" dirty="0" smtClean="0">
+              <a:t>忽想奔至全能救主</a:t>
+            </a:r>
+            <a:endParaRPr lang="en-US" altLang="zh-CN" sz="4800" b="1" dirty="0">
               <a:solidFill>
                 <a:srgbClr val="000066"/>
               </a:solidFill>
@@ -3190,46 +3484,14 @@
               <a:buNone/>
             </a:pPr>
             <a:r>
-              <a:rPr lang="zh-CN" altLang="en-US" sz="4800" b="1" dirty="0" smtClean="0">
+              <a:rPr lang="zh-CN" altLang="en-US" sz="4800" b="1" dirty="0">
                 <a:solidFill>
                   <a:srgbClr val="000066"/>
                 </a:solidFill>
                 <a:latin typeface="微軟正黑體" pitchFamily="34" charset="-120"/>
                 <a:ea typeface="微軟正黑體" pitchFamily="34" charset="-120"/>
               </a:rPr>
-              <a:t>一</a:t>
-            </a:r>
-            <a:r>
-              <a:rPr lang="zh-CN" altLang="en-US" sz="4800" b="1" dirty="0" smtClean="0">
-                <a:solidFill>
-                  <a:srgbClr val="000066"/>
-                </a:solidFill>
-                <a:latin typeface="微軟正黑體" pitchFamily="34" charset="-120"/>
-                <a:ea typeface="微軟正黑體" pitchFamily="34" charset="-120"/>
-              </a:rPr>
-              <a:t>切事務憂喜甘苦</a:t>
-            </a:r>
-            <a:endParaRPr lang="en-US" altLang="zh-CN" sz="4800" b="1" dirty="0" smtClean="0">
-              <a:solidFill>
-                <a:srgbClr val="000066"/>
-              </a:solidFill>
-              <a:latin typeface="微軟正黑體" pitchFamily="34" charset="-120"/>
-              <a:ea typeface="微軟正黑體" pitchFamily="34" charset="-120"/>
-            </a:endParaRPr>
-          </a:p>
-          <a:p>
-            <a:pPr algn="ctr">
-              <a:buNone/>
-            </a:pPr>
-            <a:r>
-              <a:rPr lang="zh-CN" altLang="en-US" sz="4800" b="1" dirty="0" smtClean="0">
-                <a:solidFill>
-                  <a:srgbClr val="000066"/>
-                </a:solidFill>
-                <a:latin typeface="微軟正黑體" pitchFamily="34" charset="-120"/>
-                <a:ea typeface="微軟正黑體" pitchFamily="34" charset="-120"/>
-              </a:rPr>
-              <a:t>俱在耶穌恩座求</a:t>
+              <a:t>樂向耶穌恩座求</a:t>
             </a:r>
             <a:endParaRPr lang="zh-TW" altLang="en-US" sz="4800" b="1" dirty="0">
               <a:solidFill>
@@ -3243,14 +3505,14 @@
       </p:sp>
       <p:sp>
         <p:nvSpPr>
-          <p:cNvPr id="2" name="TextBox 1"/>
+          <p:cNvPr id="3" name="TextBox 2"/>
           <p:cNvSpPr txBox="1"/>
           <p:nvPr/>
         </p:nvSpPr>
         <p:spPr>
           <a:xfrm>
-            <a:off x="1187624" y="1237074"/>
-            <a:ext cx="792088" cy="769441"/>
+            <a:off x="0" y="3803914"/>
+            <a:ext cx="9144000" cy="646331"/>
           </a:xfrm>
           <a:prstGeom prst="rect">
             <a:avLst/>
@@ -3265,26 +3527,266 @@
           <a:p>
             <a:pPr algn="ctr"/>
             <a:r>
-              <a:rPr lang="en-US" sz="4400" b="1" dirty="0" smtClean="0">
+              <a:rPr lang="en-US" sz="3600" b="1" dirty="0">
                 <a:solidFill>
                   <a:srgbClr val="000066"/>
                 </a:solidFill>
+                <a:effectLst/>
               </a:rPr>
-              <a:t>1.</a:t>
-            </a:r>
-            <a:endParaRPr lang="en-US" sz="4400" b="1" dirty="0">
+              <a:t>( </a:t>
+            </a:r>
+            <a:r>
+              <a:rPr lang="en-US" sz="3600" b="1" dirty="0" smtClean="0">
+                <a:solidFill>
+                  <a:srgbClr val="000066"/>
+                </a:solidFill>
+                <a:effectLst/>
+              </a:rPr>
+              <a:t>3 </a:t>
+            </a:r>
+            <a:r>
+              <a:rPr lang="en-US" sz="3600" b="1" dirty="0">
+                <a:solidFill>
+                  <a:srgbClr val="000066"/>
+                </a:solidFill>
+                <a:effectLst/>
+              </a:rPr>
+              <a:t>)</a:t>
+            </a:r>
+            <a:endParaRPr lang="vi-VN" sz="3600" b="1" dirty="0">
               <a:solidFill>
                 <a:srgbClr val="000066"/>
               </a:solidFill>
+              <a:effectLst/>
             </a:endParaRPr>
           </a:p>
         </p:txBody>
       </p:sp>
     </p:spTree>
+    <p:extLst>
+      <p:ext uri="{BB962C8B-B14F-4D97-AF65-F5344CB8AC3E}">
+        <p14:creationId xmlns:p14="http://schemas.microsoft.com/office/powerpoint/2010/main" val="498152901"/>
+      </p:ext>
+    </p:extLst>
   </p:cSld>
   <p:clrMapOvr>
     <a:masterClrMapping/>
   </p:clrMapOvr>
+  <p:timing>
+    <p:tnLst>
+      <p:par>
+        <p:cTn id="1" dur="indefinite" restart="never" nodeType="tmRoot"/>
+      </p:par>
+    </p:tnLst>
+  </p:timing>
+</p:sld>
+</file>
+
+<file path=ppt/slides/slide12.xml><?xml version="1.0" encoding="utf-8"?>
+<p:sld xmlns:a="http://schemas.openxmlformats.org/drawingml/2006/main" xmlns:r="http://schemas.openxmlformats.org/officeDocument/2006/relationships" xmlns:p="http://schemas.openxmlformats.org/presentationml/2006/main">
+  <p:cSld>
+    <p:spTree>
+      <p:nvGrpSpPr>
+        <p:cNvPr id="1" name=""/>
+        <p:cNvGrpSpPr/>
+        <p:nvPr/>
+      </p:nvGrpSpPr>
+      <p:grpSpPr>
+        <a:xfrm>
+          <a:off x="0" y="0"/>
+          <a:ext cx="0" cy="0"/>
+          <a:chOff x="0" y="0"/>
+          <a:chExt cx="0" cy="0"/>
+        </a:xfrm>
+      </p:grpSpPr>
+      <p:sp>
+        <p:nvSpPr>
+          <p:cNvPr id="5" name="內容版面配置區 4"/>
+          <p:cNvSpPr>
+            <a:spLocks noGrp="1"/>
+          </p:cNvSpPr>
+          <p:nvPr>
+            <p:ph idx="1"/>
+          </p:nvPr>
+        </p:nvSpPr>
+        <p:spPr>
+          <a:xfrm>
+            <a:off x="0" y="1563639"/>
+            <a:ext cx="9144000" cy="1803647"/>
+          </a:xfrm>
+        </p:spPr>
+        <p:txBody>
+          <a:bodyPr anchor="ctr">
+            <a:normAutofit/>
+          </a:bodyPr>
+          <a:lstStyle/>
+          <a:p>
+            <a:pPr algn="ctr">
+              <a:buNone/>
+            </a:pPr>
+            <a:r>
+              <a:rPr lang="zh-CN" altLang="en-US" sz="4800" b="1" dirty="0">
+                <a:solidFill>
+                  <a:srgbClr val="000066"/>
+                </a:solidFill>
+                <a:latin typeface="微軟正黑體" pitchFamily="34" charset="-120"/>
+                <a:ea typeface="微軟正黑體" pitchFamily="34" charset="-120"/>
+              </a:rPr>
+              <a:t>喜樂平安屢屢失去</a:t>
+            </a:r>
+            <a:endParaRPr lang="en-US" altLang="zh-CN" sz="4800" b="1" dirty="0">
+              <a:solidFill>
+                <a:srgbClr val="000066"/>
+              </a:solidFill>
+              <a:latin typeface="微軟正黑體" pitchFamily="34" charset="-120"/>
+              <a:ea typeface="微軟正黑體" pitchFamily="34" charset="-120"/>
+            </a:endParaRPr>
+          </a:p>
+          <a:p>
+            <a:pPr algn="ctr">
+              <a:buNone/>
+            </a:pPr>
+            <a:r>
+              <a:rPr lang="zh-CN" altLang="en-US" sz="4800" b="1" dirty="0">
+                <a:solidFill>
+                  <a:srgbClr val="000066"/>
+                </a:solidFill>
+                <a:latin typeface="微軟正黑體" pitchFamily="34" charset="-120"/>
+                <a:ea typeface="微軟正黑體" pitchFamily="34" charset="-120"/>
+              </a:rPr>
+              <a:t>有時痛苦淚直流</a:t>
+            </a:r>
+            <a:endParaRPr lang="en-US" altLang="zh-CN" sz="4800" b="1" dirty="0">
+              <a:solidFill>
+                <a:srgbClr val="000066"/>
+              </a:solidFill>
+              <a:latin typeface="微軟正黑體" pitchFamily="34" charset="-120"/>
+              <a:ea typeface="微軟正黑體" pitchFamily="34" charset="-120"/>
+            </a:endParaRPr>
+          </a:p>
+        </p:txBody>
+      </p:sp>
+    </p:spTree>
+    <p:extLst>
+      <p:ext uri="{BB962C8B-B14F-4D97-AF65-F5344CB8AC3E}">
+        <p14:creationId xmlns:p14="http://schemas.microsoft.com/office/powerpoint/2010/main" val="3600319143"/>
+      </p:ext>
+    </p:extLst>
+  </p:cSld>
+  <p:clrMapOvr>
+    <a:masterClrMapping/>
+  </p:clrMapOvr>
+  <p:timing>
+    <p:tnLst>
+      <p:par>
+        <p:cTn id="1" dur="indefinite" restart="never" nodeType="tmRoot"/>
+      </p:par>
+    </p:tnLst>
+  </p:timing>
+</p:sld>
+</file>
+
+<file path=ppt/slides/slide13.xml><?xml version="1.0" encoding="utf-8"?>
+<p:sld xmlns:a="http://schemas.openxmlformats.org/drawingml/2006/main" xmlns:r="http://schemas.openxmlformats.org/officeDocument/2006/relationships" xmlns:p="http://schemas.openxmlformats.org/presentationml/2006/main">
+  <p:cSld>
+    <p:spTree>
+      <p:nvGrpSpPr>
+        <p:cNvPr id="1" name=""/>
+        <p:cNvGrpSpPr/>
+        <p:nvPr/>
+      </p:nvGrpSpPr>
+      <p:grpSpPr>
+        <a:xfrm>
+          <a:off x="0" y="0"/>
+          <a:ext cx="0" cy="0"/>
+          <a:chOff x="0" y="0"/>
+          <a:chExt cx="0" cy="0"/>
+        </a:xfrm>
+      </p:grpSpPr>
+      <p:sp>
+        <p:nvSpPr>
+          <p:cNvPr id="5" name="內容版面配置區 4"/>
+          <p:cNvSpPr>
+            <a:spLocks noGrp="1"/>
+          </p:cNvSpPr>
+          <p:nvPr>
+            <p:ph idx="1"/>
+          </p:nvPr>
+        </p:nvSpPr>
+        <p:spPr>
+          <a:xfrm>
+            <a:off x="0" y="1563639"/>
+            <a:ext cx="9144000" cy="1803647"/>
+          </a:xfrm>
+        </p:spPr>
+        <p:txBody>
+          <a:bodyPr anchor="ctr">
+            <a:normAutofit/>
+          </a:bodyPr>
+          <a:lstStyle/>
+          <a:p>
+            <a:pPr algn="ctr">
+              <a:buNone/>
+            </a:pPr>
+            <a:r>
+              <a:rPr lang="zh-CN" altLang="en-US" sz="4800" b="1" dirty="0">
+                <a:solidFill>
+                  <a:srgbClr val="000066"/>
+                </a:solidFill>
+                <a:latin typeface="微軟正黑體" pitchFamily="34" charset="-120"/>
+                <a:ea typeface="微軟正黑體" pitchFamily="34" charset="-120"/>
+              </a:rPr>
+              <a:t>皆因世俗情慾纏繞</a:t>
+            </a:r>
+            <a:endParaRPr lang="en-US" altLang="zh-CN" sz="4800" b="1" dirty="0">
+              <a:solidFill>
+                <a:srgbClr val="000066"/>
+              </a:solidFill>
+              <a:latin typeface="微軟正黑體" pitchFamily="34" charset="-120"/>
+              <a:ea typeface="微軟正黑體" pitchFamily="34" charset="-120"/>
+            </a:endParaRPr>
+          </a:p>
+          <a:p>
+            <a:pPr algn="ctr">
+              <a:buNone/>
+            </a:pPr>
+            <a:r>
+              <a:rPr lang="zh-CN" altLang="en-US" sz="4800" b="1" dirty="0">
+                <a:solidFill>
+                  <a:srgbClr val="000066"/>
+                </a:solidFill>
+                <a:latin typeface="微軟正黑體" pitchFamily="34" charset="-120"/>
+                <a:ea typeface="微軟正黑體" pitchFamily="34" charset="-120"/>
+              </a:rPr>
+              <a:t>少在耶穌恩座求</a:t>
+            </a:r>
+            <a:endParaRPr lang="zh-TW" altLang="en-US" sz="4800" b="1" dirty="0">
+              <a:solidFill>
+                <a:srgbClr val="000066"/>
+              </a:solidFill>
+              <a:latin typeface="微軟正黑體" pitchFamily="34" charset="-120"/>
+              <a:ea typeface="微軟正黑體" pitchFamily="34" charset="-120"/>
+            </a:endParaRPr>
+          </a:p>
+        </p:txBody>
+      </p:sp>
+    </p:spTree>
+    <p:extLst>
+      <p:ext uri="{BB962C8B-B14F-4D97-AF65-F5344CB8AC3E}">
+        <p14:creationId xmlns:p14="http://schemas.microsoft.com/office/powerpoint/2010/main" val="2003514430"/>
+      </p:ext>
+    </p:extLst>
+  </p:cSld>
+  <p:clrMapOvr>
+    <a:masterClrMapping/>
+  </p:clrMapOvr>
+  <p:timing>
+    <p:tnLst>
+      <p:par>
+        <p:cTn id="1" dur="indefinite" restart="never" nodeType="tmRoot"/>
+      </p:par>
+    </p:tnLst>
+  </p:timing>
 </p:sld>
 </file>
 
@@ -3307,70 +3809,38 @@
       </p:grpSpPr>
       <p:sp>
         <p:nvSpPr>
-          <p:cNvPr id="4" name="標題 3"/>
-          <p:cNvSpPr>
-            <a:spLocks noGrp="1"/>
-          </p:cNvSpPr>
-          <p:nvPr>
-            <p:ph type="title"/>
-          </p:nvPr>
-        </p:nvSpPr>
-        <p:spPr/>
-        <p:txBody>
-          <a:bodyPr>
+          <p:cNvPr id="5" name="內容版面配置區 4"/>
+          <p:cNvSpPr>
+            <a:spLocks noGrp="1"/>
+          </p:cNvSpPr>
+          <p:nvPr>
+            <p:ph idx="1"/>
+          </p:nvPr>
+        </p:nvSpPr>
+        <p:spPr>
+          <a:xfrm>
+            <a:off x="0" y="1563639"/>
+            <a:ext cx="9144000" cy="1803647"/>
+          </a:xfrm>
+        </p:spPr>
+        <p:txBody>
+          <a:bodyPr anchor="ctr">
             <a:normAutofit/>
           </a:bodyPr>
           <a:lstStyle/>
           <a:p>
-            <a:r>
-              <a:rPr lang="zh-CN" altLang="en-US" sz="4000" b="1" dirty="0">
+            <a:pPr algn="ctr">
+              <a:buNone/>
+            </a:pPr>
+            <a:r>
+              <a:rPr lang="zh-CN" altLang="en-US" sz="4800" b="1" dirty="0">
                 <a:solidFill>
                   <a:srgbClr val="000066"/>
                 </a:solidFill>
                 <a:latin typeface="微軟正黑體" pitchFamily="34" charset="-120"/>
                 <a:ea typeface="微軟正黑體" pitchFamily="34" charset="-120"/>
               </a:rPr>
-              <a:t>耶穌恩友</a:t>
-            </a:r>
-            <a:endParaRPr lang="zh-TW" altLang="en-US" sz="4000" b="1" dirty="0">
-              <a:solidFill>
-                <a:srgbClr val="000066"/>
-              </a:solidFill>
-              <a:latin typeface="微軟正黑體" pitchFamily="34" charset="-120"/>
-              <a:ea typeface="微軟正黑體" pitchFamily="34" charset="-120"/>
-            </a:endParaRPr>
-          </a:p>
-        </p:txBody>
-      </p:sp>
-      <p:sp>
-        <p:nvSpPr>
-          <p:cNvPr id="5" name="內容版面配置區 4"/>
-          <p:cNvSpPr>
-            <a:spLocks noGrp="1"/>
-          </p:cNvSpPr>
-          <p:nvPr>
-            <p:ph idx="1"/>
-          </p:nvPr>
-        </p:nvSpPr>
-        <p:spPr/>
-        <p:txBody>
-          <a:bodyPr>
-            <a:noAutofit/>
-          </a:bodyPr>
-          <a:lstStyle/>
-          <a:p>
-            <a:pPr algn="ctr">
-              <a:buNone/>
-            </a:pPr>
-            <a:r>
-              <a:rPr lang="zh-CN" altLang="en-US" sz="4800" b="1" dirty="0">
-                <a:solidFill>
-                  <a:srgbClr val="000066"/>
-                </a:solidFill>
-                <a:latin typeface="微軟正黑體" pitchFamily="34" charset="-120"/>
-                <a:ea typeface="微軟正黑體" pitchFamily="34" charset="-120"/>
-              </a:rPr>
-              <a:t>喜樂平安屢屢失去</a:t>
+              <a:t>救主為我親愛知心</a:t>
             </a:r>
             <a:endParaRPr lang="en-US" altLang="zh-CN" sz="4800" b="1" dirty="0">
               <a:solidFill>
@@ -3392,7 +3862,7 @@
                 <a:latin typeface="微軟正黑體" pitchFamily="34" charset="-120"/>
                 <a:ea typeface="微軟正黑體" pitchFamily="34" charset="-120"/>
               </a:rPr>
-              <a:t>有時痛苦淚直流</a:t>
+              <a:t>擔當我諸般苦憂</a:t>
             </a:r>
             <a:endParaRPr lang="en-US" altLang="zh-CN" sz="4800" b="1" dirty="0">
               <a:solidFill>
@@ -3402,57 +3872,66 @@
               <a:ea typeface="微軟正黑體" pitchFamily="34" charset="-120"/>
             </a:endParaRPr>
           </a:p>
-          <a:p>
-            <a:pPr algn="ctr">
-              <a:buNone/>
-            </a:pPr>
-            <a:r>
-              <a:rPr lang="zh-CN" altLang="en-US" sz="4800" b="1" dirty="0">
+        </p:txBody>
+      </p:sp>
+      <p:sp>
+        <p:nvSpPr>
+          <p:cNvPr id="3" name="TextBox 2"/>
+          <p:cNvSpPr txBox="1"/>
+          <p:nvPr/>
+        </p:nvSpPr>
+        <p:spPr>
+          <a:xfrm>
+            <a:off x="0" y="3803914"/>
+            <a:ext cx="9144000" cy="646331"/>
+          </a:xfrm>
+          <a:prstGeom prst="rect">
+            <a:avLst/>
+          </a:prstGeom>
+          <a:noFill/>
+        </p:spPr>
+        <p:txBody>
+          <a:bodyPr wrap="square" rtlCol="0">
+            <a:spAutoFit/>
+          </a:bodyPr>
+          <a:lstStyle/>
+          <a:p>
+            <a:pPr algn="ctr"/>
+            <a:r>
+              <a:rPr lang="en-US" sz="3600" b="1" dirty="0">
                 <a:solidFill>
                   <a:srgbClr val="000066"/>
                 </a:solidFill>
-                <a:latin typeface="微軟正黑體" pitchFamily="34" charset="-120"/>
-                <a:ea typeface="微軟正黑體" pitchFamily="34" charset="-120"/>
+                <a:effectLst/>
               </a:rPr>
-              <a:t>皆因世俗情慾纏繞</a:t>
-            </a:r>
-            <a:endParaRPr lang="en-US" altLang="zh-CN" sz="4800" b="1" dirty="0">
+              <a:t>( 1 )</a:t>
+            </a:r>
+            <a:endParaRPr lang="vi-VN" sz="3600" b="1" dirty="0">
               <a:solidFill>
                 <a:srgbClr val="000066"/>
               </a:solidFill>
-              <a:latin typeface="微軟正黑體" pitchFamily="34" charset="-120"/>
-              <a:ea typeface="微軟正黑體" pitchFamily="34" charset="-120"/>
+              <a:effectLst/>
             </a:endParaRPr>
           </a:p>
-          <a:p>
-            <a:pPr algn="ctr">
-              <a:buNone/>
-            </a:pPr>
-            <a:r>
-              <a:rPr lang="zh-CN" altLang="en-US" sz="4800" b="1" dirty="0">
-                <a:solidFill>
-                  <a:srgbClr val="000066"/>
-                </a:solidFill>
-                <a:latin typeface="微軟正黑體" pitchFamily="34" charset="-120"/>
-                <a:ea typeface="微軟正黑體" pitchFamily="34" charset="-120"/>
-              </a:rPr>
-              <a:t>少在耶穌恩座求</a:t>
-            </a:r>
-            <a:endParaRPr lang="zh-TW" altLang="en-US" sz="4800" b="1" dirty="0">
-              <a:solidFill>
-                <a:srgbClr val="000066"/>
-              </a:solidFill>
-              <a:latin typeface="微軟正黑體" pitchFamily="34" charset="-120"/>
-              <a:ea typeface="微軟正黑體" pitchFamily="34" charset="-120"/>
-            </a:endParaRPr>
-          </a:p>
         </p:txBody>
       </p:sp>
     </p:spTree>
+    <p:extLst>
+      <p:ext uri="{BB962C8B-B14F-4D97-AF65-F5344CB8AC3E}">
+        <p14:creationId xmlns:p14="http://schemas.microsoft.com/office/powerpoint/2010/main" val="3143558129"/>
+      </p:ext>
+    </p:extLst>
   </p:cSld>
   <p:clrMapOvr>
     <a:masterClrMapping/>
   </p:clrMapOvr>
+  <p:timing>
+    <p:tnLst>
+      <p:par>
+        <p:cTn id="1" dur="indefinite" restart="never" nodeType="tmRoot"/>
+      </p:par>
+    </p:tnLst>
+  </p:timing>
 </p:sld>
 </file>
 
@@ -3475,70 +3954,38 @@
       </p:grpSpPr>
       <p:sp>
         <p:nvSpPr>
-          <p:cNvPr id="4" name="標題 3"/>
-          <p:cNvSpPr>
-            <a:spLocks noGrp="1"/>
-          </p:cNvSpPr>
-          <p:nvPr>
-            <p:ph type="title"/>
-          </p:nvPr>
-        </p:nvSpPr>
-        <p:spPr/>
-        <p:txBody>
-          <a:bodyPr>
+          <p:cNvPr id="5" name="內容版面配置區 4"/>
+          <p:cNvSpPr>
+            <a:spLocks noGrp="1"/>
+          </p:cNvSpPr>
+          <p:nvPr>
+            <p:ph idx="1"/>
+          </p:nvPr>
+        </p:nvSpPr>
+        <p:spPr>
+          <a:xfrm>
+            <a:off x="0" y="1563639"/>
+            <a:ext cx="9144000" cy="1803647"/>
+          </a:xfrm>
+        </p:spPr>
+        <p:txBody>
+          <a:bodyPr anchor="ctr">
             <a:normAutofit/>
           </a:bodyPr>
           <a:lstStyle/>
           <a:p>
-            <a:r>
-              <a:rPr lang="zh-CN" altLang="en-US" sz="4000" b="1" dirty="0">
+            <a:pPr algn="ctr">
+              <a:buNone/>
+            </a:pPr>
+            <a:r>
+              <a:rPr lang="zh-CN" altLang="en-US" sz="4800" b="1" dirty="0">
                 <a:solidFill>
                   <a:srgbClr val="000066"/>
                 </a:solidFill>
                 <a:latin typeface="微軟正黑體" pitchFamily="34" charset="-120"/>
                 <a:ea typeface="微軟正黑體" pitchFamily="34" charset="-120"/>
               </a:rPr>
-              <a:t>耶穌恩友</a:t>
-            </a:r>
-            <a:endParaRPr lang="zh-TW" altLang="en-US" sz="4000" b="1" dirty="0">
-              <a:solidFill>
-                <a:srgbClr val="000066"/>
-              </a:solidFill>
-              <a:latin typeface="微軟正黑體" pitchFamily="34" charset="-120"/>
-              <a:ea typeface="微軟正黑體" pitchFamily="34" charset="-120"/>
-            </a:endParaRPr>
-          </a:p>
-        </p:txBody>
-      </p:sp>
-      <p:sp>
-        <p:nvSpPr>
-          <p:cNvPr id="5" name="內容版面配置區 4"/>
-          <p:cNvSpPr>
-            <a:spLocks noGrp="1"/>
-          </p:cNvSpPr>
-          <p:nvPr>
-            <p:ph idx="1"/>
-          </p:nvPr>
-        </p:nvSpPr>
-        <p:spPr/>
-        <p:txBody>
-          <a:bodyPr>
-            <a:noAutofit/>
-          </a:bodyPr>
-          <a:lstStyle/>
-          <a:p>
-            <a:pPr algn="ctr">
-              <a:buNone/>
-            </a:pPr>
-            <a:r>
-              <a:rPr lang="zh-CN" altLang="en-US" sz="4800" b="1" dirty="0">
-                <a:solidFill>
-                  <a:srgbClr val="000066"/>
-                </a:solidFill>
-                <a:latin typeface="微軟正黑體" pitchFamily="34" charset="-120"/>
-                <a:ea typeface="微軟正黑體" pitchFamily="34" charset="-120"/>
-              </a:rPr>
-              <a:t>或受魔鬼誘惑試探</a:t>
+              <a:t>一切事務憂喜甘苦</a:t>
             </a:r>
             <a:endParaRPr lang="en-US" altLang="zh-CN" sz="4800" b="1" dirty="0">
               <a:solidFill>
@@ -3560,17 +4007,7 @@
                 <a:latin typeface="微軟正黑體" pitchFamily="34" charset="-120"/>
                 <a:ea typeface="微軟正黑體" pitchFamily="34" charset="-120"/>
               </a:rPr>
-              <a:t>或</a:t>
-            </a:r>
-            <a:r>
-              <a:rPr lang="zh-CN" altLang="en-US" sz="4800" b="1" dirty="0">
-                <a:solidFill>
-                  <a:srgbClr val="000066"/>
-                </a:solidFill>
-                <a:latin typeface="微軟正黑體" pitchFamily="34" charset="-120"/>
-                <a:ea typeface="微軟正黑體" pitchFamily="34" charset="-120"/>
-              </a:rPr>
-              <a:t>有逼迫與憂愁</a:t>
+              <a:t>俱在耶穌恩座求</a:t>
             </a:r>
             <a:endParaRPr lang="en-US" altLang="zh-CN" sz="4800" b="1" dirty="0">
               <a:solidFill>
@@ -3580,72 +4017,18 @@
               <a:ea typeface="微軟正黑體" pitchFamily="34" charset="-120"/>
             </a:endParaRPr>
           </a:p>
-          <a:p>
-            <a:pPr algn="ctr">
-              <a:buNone/>
-            </a:pPr>
-            <a:r>
-              <a:rPr lang="zh-CN" altLang="en-US" sz="4800" b="1" dirty="0">
-                <a:solidFill>
-                  <a:srgbClr val="000066"/>
-                </a:solidFill>
-                <a:latin typeface="微軟正黑體" pitchFamily="34" charset="-120"/>
-                <a:ea typeface="微軟正黑體" pitchFamily="34" charset="-120"/>
-              </a:rPr>
-              <a:t>切</a:t>
-            </a:r>
-            <a:r>
-              <a:rPr lang="zh-CN" altLang="en-US" sz="4800" b="1" dirty="0">
-                <a:solidFill>
-                  <a:srgbClr val="000066"/>
-                </a:solidFill>
-                <a:latin typeface="微軟正黑體" pitchFamily="34" charset="-120"/>
-                <a:ea typeface="微軟正黑體" pitchFamily="34" charset="-120"/>
-              </a:rPr>
-              <a:t>莫絕望心須剛強</a:t>
-            </a:r>
-            <a:endParaRPr lang="en-US" altLang="zh-CN" sz="4800" b="1" dirty="0">
-              <a:solidFill>
-                <a:srgbClr val="000066"/>
-              </a:solidFill>
-              <a:latin typeface="微軟正黑體" pitchFamily="34" charset="-120"/>
-              <a:ea typeface="微軟正黑體" pitchFamily="34" charset="-120"/>
-            </a:endParaRPr>
-          </a:p>
-          <a:p>
-            <a:pPr algn="ctr">
-              <a:buNone/>
-            </a:pPr>
-            <a:r>
-              <a:rPr lang="zh-CN" altLang="en-US" sz="4800" b="1" dirty="0">
-                <a:solidFill>
-                  <a:srgbClr val="000066"/>
-                </a:solidFill>
-                <a:latin typeface="微軟正黑體" pitchFamily="34" charset="-120"/>
-                <a:ea typeface="微軟正黑體" pitchFamily="34" charset="-120"/>
-              </a:rPr>
-              <a:t>多在耶穌恩座求</a:t>
-            </a:r>
-            <a:endParaRPr lang="zh-TW" altLang="en-US" sz="4800" b="1" dirty="0">
-              <a:solidFill>
-                <a:srgbClr val="000066"/>
-              </a:solidFill>
-              <a:latin typeface="微軟正黑體" pitchFamily="34" charset="-120"/>
-              <a:ea typeface="微軟正黑體" pitchFamily="34" charset="-120"/>
-            </a:endParaRPr>
-          </a:p>
-        </p:txBody>
-      </p:sp>
-      <p:sp>
-        <p:nvSpPr>
-          <p:cNvPr id="6" name="TextBox 5"/>
+        </p:txBody>
+      </p:sp>
+      <p:sp>
+        <p:nvSpPr>
+          <p:cNvPr id="3" name="TextBox 2"/>
           <p:cNvSpPr txBox="1"/>
           <p:nvPr/>
         </p:nvSpPr>
         <p:spPr>
           <a:xfrm>
-            <a:off x="1187624" y="1236558"/>
-            <a:ext cx="792088" cy="769441"/>
+            <a:off x="0" y="3803914"/>
+            <a:ext cx="9144000" cy="646331"/>
           </a:xfrm>
           <a:prstGeom prst="rect">
             <a:avLst/>
@@ -3660,34 +4043,40 @@
           <a:p>
             <a:pPr algn="ctr"/>
             <a:r>
-              <a:rPr lang="en-US" sz="4400" b="1" dirty="0">
+              <a:rPr lang="en-US" sz="3600" b="1" dirty="0">
                 <a:solidFill>
                   <a:srgbClr val="000066"/>
                 </a:solidFill>
+                <a:effectLst/>
               </a:rPr>
-              <a:t>2</a:t>
-            </a:r>
-            <a:r>
-              <a:rPr lang="en-US" sz="4400" b="1" dirty="0" smtClean="0">
-                <a:solidFill>
-                  <a:srgbClr val="000066"/>
-                </a:solidFill>
-              </a:rPr>
-              <a:t>.</a:t>
-            </a:r>
-            <a:endParaRPr lang="en-US" sz="4400" b="1" dirty="0">
+              <a:t>( 1 )</a:t>
+            </a:r>
+            <a:endParaRPr lang="vi-VN" sz="3600" b="1" dirty="0">
               <a:solidFill>
                 <a:srgbClr val="000066"/>
               </a:solidFill>
+              <a:effectLst/>
             </a:endParaRPr>
           </a:p>
         </p:txBody>
       </p:sp>
     </p:spTree>
+    <p:extLst>
+      <p:ext uri="{BB962C8B-B14F-4D97-AF65-F5344CB8AC3E}">
+        <p14:creationId xmlns:p14="http://schemas.microsoft.com/office/powerpoint/2010/main" val="996121921"/>
+      </p:ext>
+    </p:extLst>
   </p:cSld>
   <p:clrMapOvr>
     <a:masterClrMapping/>
   </p:clrMapOvr>
+  <p:timing>
+    <p:tnLst>
+      <p:par>
+        <p:cTn id="1" dur="indefinite" restart="never" nodeType="tmRoot"/>
+      </p:par>
+    </p:tnLst>
+  </p:timing>
 </p:sld>
 </file>
 
@@ -3710,70 +4099,38 @@
       </p:grpSpPr>
       <p:sp>
         <p:nvSpPr>
-          <p:cNvPr id="4" name="標題 3"/>
-          <p:cNvSpPr>
-            <a:spLocks noGrp="1"/>
-          </p:cNvSpPr>
-          <p:nvPr>
-            <p:ph type="title"/>
-          </p:nvPr>
-        </p:nvSpPr>
-        <p:spPr/>
-        <p:txBody>
-          <a:bodyPr>
+          <p:cNvPr id="5" name="內容版面配置區 4"/>
+          <p:cNvSpPr>
+            <a:spLocks noGrp="1"/>
+          </p:cNvSpPr>
+          <p:nvPr>
+            <p:ph idx="1"/>
+          </p:nvPr>
+        </p:nvSpPr>
+        <p:spPr>
+          <a:xfrm>
+            <a:off x="0" y="1563639"/>
+            <a:ext cx="9144000" cy="1803647"/>
+          </a:xfrm>
+        </p:spPr>
+        <p:txBody>
+          <a:bodyPr anchor="ctr">
             <a:normAutofit/>
           </a:bodyPr>
           <a:lstStyle/>
           <a:p>
-            <a:r>
-              <a:rPr lang="zh-CN" altLang="en-US" sz="4000" b="1" dirty="0">
+            <a:pPr algn="ctr">
+              <a:buNone/>
+            </a:pPr>
+            <a:r>
+              <a:rPr lang="zh-CN" altLang="en-US" sz="4800" b="1" dirty="0">
                 <a:solidFill>
                   <a:srgbClr val="000066"/>
                 </a:solidFill>
                 <a:latin typeface="微軟正黑體" pitchFamily="34" charset="-120"/>
                 <a:ea typeface="微軟正黑體" pitchFamily="34" charset="-120"/>
               </a:rPr>
-              <a:t>耶穌恩友</a:t>
-            </a:r>
-            <a:endParaRPr lang="zh-TW" altLang="en-US" sz="4000" b="1" dirty="0">
-              <a:solidFill>
-                <a:srgbClr val="000066"/>
-              </a:solidFill>
-              <a:latin typeface="微軟正黑體" pitchFamily="34" charset="-120"/>
-              <a:ea typeface="微軟正黑體" pitchFamily="34" charset="-120"/>
-            </a:endParaRPr>
-          </a:p>
-        </p:txBody>
-      </p:sp>
-      <p:sp>
-        <p:nvSpPr>
-          <p:cNvPr id="5" name="內容版面配置區 4"/>
-          <p:cNvSpPr>
-            <a:spLocks noGrp="1"/>
-          </p:cNvSpPr>
-          <p:nvPr>
-            <p:ph idx="1"/>
-          </p:nvPr>
-        </p:nvSpPr>
-        <p:spPr/>
-        <p:txBody>
-          <a:bodyPr>
-            <a:noAutofit/>
-          </a:bodyPr>
-          <a:lstStyle/>
-          <a:p>
-            <a:pPr algn="ctr">
-              <a:buNone/>
-            </a:pPr>
-            <a:r>
-              <a:rPr lang="zh-CN" altLang="en-US" sz="4800" b="1" dirty="0">
-                <a:solidFill>
-                  <a:srgbClr val="000066"/>
-                </a:solidFill>
-                <a:latin typeface="微軟正黑體" pitchFamily="34" charset="-120"/>
-                <a:ea typeface="微軟正黑體" pitchFamily="34" charset="-120"/>
-              </a:rPr>
-              <a:t>耶穌深知我們軟弱</a:t>
+              <a:t>喜樂平安屢屢失去</a:t>
             </a:r>
             <a:endParaRPr lang="en-US" altLang="zh-CN" sz="4800" b="1" dirty="0">
               <a:solidFill>
@@ -3795,7 +4152,7 @@
                 <a:latin typeface="微軟正黑體" pitchFamily="34" charset="-120"/>
                 <a:ea typeface="微軟正黑體" pitchFamily="34" charset="-120"/>
               </a:rPr>
-              <a:t>搭救體恤愛無休</a:t>
+              <a:t>有時痛苦淚直流</a:t>
             </a:r>
             <a:endParaRPr lang="en-US" altLang="zh-CN" sz="4800" b="1" dirty="0">
               <a:solidFill>
@@ -3805,57 +4162,25 @@
               <a:ea typeface="微軟正黑體" pitchFamily="34" charset="-120"/>
             </a:endParaRPr>
           </a:p>
-          <a:p>
-            <a:pPr algn="ctr">
-              <a:buNone/>
-            </a:pPr>
-            <a:r>
-              <a:rPr lang="zh-CN" altLang="en-US" sz="4800" b="1" dirty="0">
-                <a:solidFill>
-                  <a:srgbClr val="000066"/>
-                </a:solidFill>
-                <a:latin typeface="微軟正黑體" pitchFamily="34" charset="-120"/>
-                <a:ea typeface="微軟正黑體" pitchFamily="34" charset="-120"/>
-              </a:rPr>
-              <a:t>確實信心堅持到底</a:t>
-            </a:r>
-            <a:endParaRPr lang="en-US" altLang="zh-CN" sz="4800" b="1" dirty="0">
-              <a:solidFill>
-                <a:srgbClr val="000066"/>
-              </a:solidFill>
-              <a:latin typeface="微軟正黑體" pitchFamily="34" charset="-120"/>
-              <a:ea typeface="微軟正黑體" pitchFamily="34" charset="-120"/>
-            </a:endParaRPr>
-          </a:p>
-          <a:p>
-            <a:pPr algn="ctr">
-              <a:buNone/>
-            </a:pPr>
-            <a:r>
-              <a:rPr lang="zh-CN" altLang="en-US" sz="4800" b="1" dirty="0">
-                <a:solidFill>
-                  <a:srgbClr val="000066"/>
-                </a:solidFill>
-                <a:latin typeface="微軟正黑體" pitchFamily="34" charset="-120"/>
-                <a:ea typeface="微軟正黑體" pitchFamily="34" charset="-120"/>
-              </a:rPr>
-              <a:t>常在耶穌恩座求</a:t>
-            </a:r>
-            <a:endParaRPr lang="zh-TW" altLang="en-US" sz="4800" b="1" dirty="0">
-              <a:solidFill>
-                <a:srgbClr val="000066"/>
-              </a:solidFill>
-              <a:latin typeface="微軟正黑體" pitchFamily="34" charset="-120"/>
-              <a:ea typeface="微軟正黑體" pitchFamily="34" charset="-120"/>
-            </a:endParaRPr>
-          </a:p>
         </p:txBody>
       </p:sp>
     </p:spTree>
+    <p:extLst>
+      <p:ext uri="{BB962C8B-B14F-4D97-AF65-F5344CB8AC3E}">
+        <p14:creationId xmlns:p14="http://schemas.microsoft.com/office/powerpoint/2010/main" val="2405209692"/>
+      </p:ext>
+    </p:extLst>
   </p:cSld>
   <p:clrMapOvr>
     <a:masterClrMapping/>
   </p:clrMapOvr>
+  <p:timing>
+    <p:tnLst>
+      <p:par>
+        <p:cTn id="1" dur="indefinite" restart="never" nodeType="tmRoot"/>
+      </p:par>
+    </p:tnLst>
+  </p:timing>
 </p:sld>
 </file>
 
@@ -3878,70 +4203,38 @@
       </p:grpSpPr>
       <p:sp>
         <p:nvSpPr>
-          <p:cNvPr id="4" name="標題 3"/>
-          <p:cNvSpPr>
-            <a:spLocks noGrp="1"/>
-          </p:cNvSpPr>
-          <p:nvPr>
-            <p:ph type="title"/>
-          </p:nvPr>
-        </p:nvSpPr>
-        <p:spPr/>
-        <p:txBody>
-          <a:bodyPr>
+          <p:cNvPr id="5" name="內容版面配置區 4"/>
+          <p:cNvSpPr>
+            <a:spLocks noGrp="1"/>
+          </p:cNvSpPr>
+          <p:nvPr>
+            <p:ph idx="1"/>
+          </p:nvPr>
+        </p:nvSpPr>
+        <p:spPr>
+          <a:xfrm>
+            <a:off x="0" y="1563639"/>
+            <a:ext cx="9144000" cy="1803647"/>
+          </a:xfrm>
+        </p:spPr>
+        <p:txBody>
+          <a:bodyPr anchor="ctr">
             <a:normAutofit/>
           </a:bodyPr>
           <a:lstStyle/>
           <a:p>
-            <a:r>
-              <a:rPr lang="zh-CN" altLang="en-US" sz="4000" b="1" dirty="0">
+            <a:pPr algn="ctr">
+              <a:buNone/>
+            </a:pPr>
+            <a:r>
+              <a:rPr lang="zh-CN" altLang="en-US" sz="4800" b="1" dirty="0">
                 <a:solidFill>
                   <a:srgbClr val="000066"/>
                 </a:solidFill>
                 <a:latin typeface="微軟正黑體" pitchFamily="34" charset="-120"/>
                 <a:ea typeface="微軟正黑體" pitchFamily="34" charset="-120"/>
               </a:rPr>
-              <a:t>耶穌恩友</a:t>
-            </a:r>
-            <a:endParaRPr lang="zh-TW" altLang="en-US" sz="4000" b="1" dirty="0">
-              <a:solidFill>
-                <a:srgbClr val="000066"/>
-              </a:solidFill>
-              <a:latin typeface="微軟正黑體" pitchFamily="34" charset="-120"/>
-              <a:ea typeface="微軟正黑體" pitchFamily="34" charset="-120"/>
-            </a:endParaRPr>
-          </a:p>
-        </p:txBody>
-      </p:sp>
-      <p:sp>
-        <p:nvSpPr>
-          <p:cNvPr id="5" name="內容版面配置區 4"/>
-          <p:cNvSpPr>
-            <a:spLocks noGrp="1"/>
-          </p:cNvSpPr>
-          <p:nvPr>
-            <p:ph idx="1"/>
-          </p:nvPr>
-        </p:nvSpPr>
-        <p:spPr/>
-        <p:txBody>
-          <a:bodyPr>
-            <a:noAutofit/>
-          </a:bodyPr>
-          <a:lstStyle/>
-          <a:p>
-            <a:pPr algn="ctr">
-              <a:buNone/>
-            </a:pPr>
-            <a:r>
-              <a:rPr lang="zh-CN" altLang="en-US" sz="4800" b="1" dirty="0">
-                <a:solidFill>
-                  <a:srgbClr val="000066"/>
-                </a:solidFill>
-                <a:latin typeface="微軟正黑體" pitchFamily="34" charset="-120"/>
-                <a:ea typeface="微軟正黑體" pitchFamily="34" charset="-120"/>
-              </a:rPr>
-              <a:t>時而軟弱多有愁苦</a:t>
+              <a:t>皆因世俗情慾纏繞</a:t>
             </a:r>
             <a:endParaRPr lang="en-US" altLang="zh-CN" sz="4800" b="1" dirty="0">
               <a:solidFill>
@@ -3963,51 +4256,7 @@
                 <a:latin typeface="微軟正黑體" pitchFamily="34" charset="-120"/>
                 <a:ea typeface="微軟正黑體" pitchFamily="34" charset="-120"/>
               </a:rPr>
-              <a:t>事務煩矣且無謀</a:t>
-            </a:r>
-            <a:endParaRPr lang="en-US" altLang="zh-CN" sz="4800" b="1" dirty="0">
-              <a:solidFill>
-                <a:srgbClr val="000066"/>
-              </a:solidFill>
-              <a:latin typeface="微軟正黑體" pitchFamily="34" charset="-120"/>
-              <a:ea typeface="微軟正黑體" pitchFamily="34" charset="-120"/>
-            </a:endParaRPr>
-          </a:p>
-          <a:p>
-            <a:pPr algn="ctr">
-              <a:buNone/>
-            </a:pPr>
-            <a:r>
-              <a:rPr lang="zh-CN" altLang="en-US" sz="4800" b="1" dirty="0">
-                <a:solidFill>
-                  <a:srgbClr val="000066"/>
-                </a:solidFill>
-                <a:latin typeface="微軟正黑體" pitchFamily="34" charset="-120"/>
-                <a:ea typeface="微軟正黑體" pitchFamily="34" charset="-120"/>
-              </a:rPr>
-              <a:t>忽想奔至全能救主</a:t>
-            </a:r>
-            <a:endParaRPr lang="en-US" altLang="zh-CN" sz="4800" b="1" dirty="0">
-              <a:solidFill>
-                <a:srgbClr val="000066"/>
-              </a:solidFill>
-              <a:latin typeface="微軟正黑體" pitchFamily="34" charset="-120"/>
-              <a:ea typeface="微軟正黑體" pitchFamily="34" charset="-120"/>
-            </a:endParaRPr>
-          </a:p>
-          <a:p>
-            <a:pPr algn="ctr">
-              <a:buNone/>
-            </a:pPr>
-            <a:r>
-              <a:rPr lang="zh-CN" altLang="en-US" sz="4800" b="1" dirty="0">
-                <a:solidFill>
-                  <a:srgbClr val="000066"/>
-                </a:solidFill>
-                <a:latin typeface="微軟正黑體" pitchFamily="34" charset="-120"/>
-                <a:ea typeface="微軟正黑體" pitchFamily="34" charset="-120"/>
-              </a:rPr>
-              <a:t>樂向耶穌恩座求</a:t>
+              <a:t>少在耶穌恩座求</a:t>
             </a:r>
             <a:endParaRPr lang="zh-TW" altLang="en-US" sz="4800" b="1" dirty="0">
               <a:solidFill>
@@ -4019,50 +4268,23 @@
           </a:p>
         </p:txBody>
       </p:sp>
-      <p:sp>
-        <p:nvSpPr>
-          <p:cNvPr id="6" name="TextBox 5"/>
-          <p:cNvSpPr txBox="1"/>
-          <p:nvPr/>
-        </p:nvSpPr>
-        <p:spPr>
-          <a:xfrm>
-            <a:off x="1187624" y="1236558"/>
-            <a:ext cx="792088" cy="769441"/>
-          </a:xfrm>
-          <a:prstGeom prst="rect">
-            <a:avLst/>
-          </a:prstGeom>
-          <a:noFill/>
-        </p:spPr>
-        <p:txBody>
-          <a:bodyPr wrap="square" rtlCol="0">
-            <a:spAutoFit/>
-          </a:bodyPr>
-          <a:lstStyle/>
-          <a:p>
-            <a:pPr algn="ctr"/>
-            <a:r>
-              <a:rPr lang="en-US" sz="4400" b="1" dirty="0" smtClean="0">
-                <a:solidFill>
-                  <a:srgbClr val="000066"/>
-                </a:solidFill>
-              </a:rPr>
-              <a:t>3.</a:t>
-            </a:r>
-            <a:endParaRPr lang="en-US" sz="4400" b="1" dirty="0">
-              <a:solidFill>
-                <a:srgbClr val="000066"/>
-              </a:solidFill>
-            </a:endParaRPr>
-          </a:p>
-        </p:txBody>
-      </p:sp>
     </p:spTree>
+    <p:extLst>
+      <p:ext uri="{BB962C8B-B14F-4D97-AF65-F5344CB8AC3E}">
+        <p14:creationId xmlns:p14="http://schemas.microsoft.com/office/powerpoint/2010/main" val="4278705565"/>
+      </p:ext>
+    </p:extLst>
   </p:cSld>
   <p:clrMapOvr>
     <a:masterClrMapping/>
   </p:clrMapOvr>
+  <p:timing>
+    <p:tnLst>
+      <p:par>
+        <p:cTn id="1" dur="indefinite" restart="never" nodeType="tmRoot"/>
+      </p:par>
+    </p:tnLst>
+  </p:timing>
 </p:sld>
 </file>
 
@@ -4085,70 +4307,38 @@
       </p:grpSpPr>
       <p:sp>
         <p:nvSpPr>
-          <p:cNvPr id="4" name="標題 3"/>
-          <p:cNvSpPr>
-            <a:spLocks noGrp="1"/>
-          </p:cNvSpPr>
-          <p:nvPr>
-            <p:ph type="title"/>
-          </p:nvPr>
-        </p:nvSpPr>
-        <p:spPr/>
-        <p:txBody>
-          <a:bodyPr>
+          <p:cNvPr id="5" name="內容版面配置區 4"/>
+          <p:cNvSpPr>
+            <a:spLocks noGrp="1"/>
+          </p:cNvSpPr>
+          <p:nvPr>
+            <p:ph idx="1"/>
+          </p:nvPr>
+        </p:nvSpPr>
+        <p:spPr>
+          <a:xfrm>
+            <a:off x="0" y="1563639"/>
+            <a:ext cx="9144000" cy="1803647"/>
+          </a:xfrm>
+        </p:spPr>
+        <p:txBody>
+          <a:bodyPr anchor="ctr">
             <a:normAutofit/>
           </a:bodyPr>
           <a:lstStyle/>
           <a:p>
-            <a:r>
-              <a:rPr lang="zh-CN" altLang="en-US" sz="4000" b="1" dirty="0">
+            <a:pPr algn="ctr">
+              <a:buNone/>
+            </a:pPr>
+            <a:r>
+              <a:rPr lang="zh-CN" altLang="en-US" sz="4800" b="1" dirty="0">
                 <a:solidFill>
                   <a:srgbClr val="000066"/>
                 </a:solidFill>
                 <a:latin typeface="微軟正黑體" pitchFamily="34" charset="-120"/>
                 <a:ea typeface="微軟正黑體" pitchFamily="34" charset="-120"/>
               </a:rPr>
-              <a:t>耶穌恩友</a:t>
-            </a:r>
-            <a:endParaRPr lang="zh-TW" altLang="en-US" sz="4000" b="1" dirty="0">
-              <a:solidFill>
-                <a:srgbClr val="000066"/>
-              </a:solidFill>
-              <a:latin typeface="微軟正黑體" pitchFamily="34" charset="-120"/>
-              <a:ea typeface="微軟正黑體" pitchFamily="34" charset="-120"/>
-            </a:endParaRPr>
-          </a:p>
-        </p:txBody>
-      </p:sp>
-      <p:sp>
-        <p:nvSpPr>
-          <p:cNvPr id="5" name="內容版面配置區 4"/>
-          <p:cNvSpPr>
-            <a:spLocks noGrp="1"/>
-          </p:cNvSpPr>
-          <p:nvPr>
-            <p:ph idx="1"/>
-          </p:nvPr>
-        </p:nvSpPr>
-        <p:spPr/>
-        <p:txBody>
-          <a:bodyPr>
-            <a:noAutofit/>
-          </a:bodyPr>
-          <a:lstStyle/>
-          <a:p>
-            <a:pPr algn="ctr">
-              <a:buNone/>
-            </a:pPr>
-            <a:r>
-              <a:rPr lang="zh-CN" altLang="en-US" sz="4800" b="1" dirty="0">
-                <a:solidFill>
-                  <a:srgbClr val="000066"/>
-                </a:solidFill>
-                <a:latin typeface="微軟正黑體" pitchFamily="34" charset="-120"/>
-                <a:ea typeface="微軟正黑體" pitchFamily="34" charset="-120"/>
-              </a:rPr>
-              <a:t>親或輕我友或離我</a:t>
+              <a:t>或受魔鬼誘惑試探</a:t>
             </a:r>
             <a:endParaRPr lang="en-US" altLang="zh-CN" sz="4800" b="1" dirty="0">
               <a:solidFill>
@@ -4170,7 +4360,7 @@
                 <a:latin typeface="微軟正黑體" pitchFamily="34" charset="-120"/>
                 <a:ea typeface="微軟正黑體" pitchFamily="34" charset="-120"/>
               </a:rPr>
-              <a:t>財寶名利無存留</a:t>
+              <a:t>或有逼迫與憂愁</a:t>
             </a:r>
             <a:endParaRPr lang="en-US" altLang="zh-CN" sz="4800" b="1" dirty="0">
               <a:solidFill>
@@ -4180,6 +4370,125 @@
               <a:ea typeface="微軟正黑體" pitchFamily="34" charset="-120"/>
             </a:endParaRPr>
           </a:p>
+        </p:txBody>
+      </p:sp>
+      <p:sp>
+        <p:nvSpPr>
+          <p:cNvPr id="3" name="TextBox 2"/>
+          <p:cNvSpPr txBox="1"/>
+          <p:nvPr/>
+        </p:nvSpPr>
+        <p:spPr>
+          <a:xfrm>
+            <a:off x="0" y="3803914"/>
+            <a:ext cx="9144000" cy="646331"/>
+          </a:xfrm>
+          <a:prstGeom prst="rect">
+            <a:avLst/>
+          </a:prstGeom>
+          <a:noFill/>
+        </p:spPr>
+        <p:txBody>
+          <a:bodyPr wrap="square" rtlCol="0">
+            <a:spAutoFit/>
+          </a:bodyPr>
+          <a:lstStyle/>
+          <a:p>
+            <a:pPr algn="ctr"/>
+            <a:r>
+              <a:rPr lang="en-US" sz="3600" b="1" dirty="0">
+                <a:solidFill>
+                  <a:srgbClr val="000066"/>
+                </a:solidFill>
+                <a:effectLst/>
+              </a:rPr>
+              <a:t>( </a:t>
+            </a:r>
+            <a:r>
+              <a:rPr lang="en-US" sz="3600" b="1" dirty="0" smtClean="0">
+                <a:solidFill>
+                  <a:srgbClr val="000066"/>
+                </a:solidFill>
+                <a:effectLst/>
+              </a:rPr>
+              <a:t>2 </a:t>
+            </a:r>
+            <a:r>
+              <a:rPr lang="en-US" sz="3600" b="1" dirty="0">
+                <a:solidFill>
+                  <a:srgbClr val="000066"/>
+                </a:solidFill>
+                <a:effectLst/>
+              </a:rPr>
+              <a:t>)</a:t>
+            </a:r>
+            <a:endParaRPr lang="vi-VN" sz="3600" b="1" dirty="0">
+              <a:solidFill>
+                <a:srgbClr val="000066"/>
+              </a:solidFill>
+              <a:effectLst/>
+            </a:endParaRPr>
+          </a:p>
+        </p:txBody>
+      </p:sp>
+    </p:spTree>
+    <p:extLst>
+      <p:ext uri="{BB962C8B-B14F-4D97-AF65-F5344CB8AC3E}">
+        <p14:creationId xmlns:p14="http://schemas.microsoft.com/office/powerpoint/2010/main" val="465358750"/>
+      </p:ext>
+    </p:extLst>
+  </p:cSld>
+  <p:clrMapOvr>
+    <a:masterClrMapping/>
+  </p:clrMapOvr>
+  <p:timing>
+    <p:tnLst>
+      <p:par>
+        <p:cTn id="1" dur="indefinite" restart="never" nodeType="tmRoot"/>
+      </p:par>
+    </p:tnLst>
+  </p:timing>
+</p:sld>
+</file>
+
+<file path=ppt/slides/slide7.xml><?xml version="1.0" encoding="utf-8"?>
+<p:sld xmlns:a="http://schemas.openxmlformats.org/drawingml/2006/main" xmlns:r="http://schemas.openxmlformats.org/officeDocument/2006/relationships" xmlns:p="http://schemas.openxmlformats.org/presentationml/2006/main">
+  <p:cSld>
+    <p:spTree>
+      <p:nvGrpSpPr>
+        <p:cNvPr id="1" name=""/>
+        <p:cNvGrpSpPr/>
+        <p:nvPr/>
+      </p:nvGrpSpPr>
+      <p:grpSpPr>
+        <a:xfrm>
+          <a:off x="0" y="0"/>
+          <a:ext cx="0" cy="0"/>
+          <a:chOff x="0" y="0"/>
+          <a:chExt cx="0" cy="0"/>
+        </a:xfrm>
+      </p:grpSpPr>
+      <p:sp>
+        <p:nvSpPr>
+          <p:cNvPr id="5" name="內容版面配置區 4"/>
+          <p:cNvSpPr>
+            <a:spLocks noGrp="1"/>
+          </p:cNvSpPr>
+          <p:nvPr>
+            <p:ph idx="1"/>
+          </p:nvPr>
+        </p:nvSpPr>
+        <p:spPr>
+          <a:xfrm>
+            <a:off x="0" y="1563639"/>
+            <a:ext cx="9144000" cy="1803647"/>
+          </a:xfrm>
+        </p:spPr>
+        <p:txBody>
+          <a:bodyPr anchor="ctr">
+            <a:normAutofit/>
+          </a:bodyPr>
+          <a:lstStyle/>
           <a:p>
             <a:pPr algn="ctr">
               <a:buNone/>
@@ -4192,7 +4501,7 @@
                 <a:latin typeface="微軟正黑體" pitchFamily="34" charset="-120"/>
                 <a:ea typeface="微軟正黑體" pitchFamily="34" charset="-120"/>
               </a:rPr>
-              <a:t>惟一恆友極其穩妥</a:t>
+              <a:t>切莫絕望心須剛強</a:t>
             </a:r>
             <a:endParaRPr lang="en-US" altLang="zh-CN" sz="4800" b="1" dirty="0">
               <a:solidFill>
@@ -4214,7 +4523,7 @@
                 <a:latin typeface="微軟正黑體" pitchFamily="34" charset="-120"/>
                 <a:ea typeface="微軟正黑體" pitchFamily="34" charset="-120"/>
               </a:rPr>
-              <a:t>常在耶穌恩座求</a:t>
+              <a:t>多在耶穌恩座求</a:t>
             </a:r>
             <a:endParaRPr lang="zh-TW" altLang="en-US" sz="4800" b="1" dirty="0">
               <a:solidFill>
@@ -4226,11 +4535,290 @@
           </a:p>
         </p:txBody>
       </p:sp>
+      <p:sp>
+        <p:nvSpPr>
+          <p:cNvPr id="3" name="TextBox 2"/>
+          <p:cNvSpPr txBox="1"/>
+          <p:nvPr/>
+        </p:nvSpPr>
+        <p:spPr>
+          <a:xfrm>
+            <a:off x="0" y="3803914"/>
+            <a:ext cx="9144000" cy="646331"/>
+          </a:xfrm>
+          <a:prstGeom prst="rect">
+            <a:avLst/>
+          </a:prstGeom>
+          <a:noFill/>
+        </p:spPr>
+        <p:txBody>
+          <a:bodyPr wrap="square" rtlCol="0">
+            <a:spAutoFit/>
+          </a:bodyPr>
+          <a:lstStyle/>
+          <a:p>
+            <a:pPr algn="ctr"/>
+            <a:r>
+              <a:rPr lang="en-US" sz="3600" b="1" dirty="0">
+                <a:solidFill>
+                  <a:srgbClr val="000066"/>
+                </a:solidFill>
+                <a:effectLst/>
+              </a:rPr>
+              <a:t>( </a:t>
+            </a:r>
+            <a:r>
+              <a:rPr lang="en-US" sz="3600" b="1" dirty="0" smtClean="0">
+                <a:solidFill>
+                  <a:srgbClr val="000066"/>
+                </a:solidFill>
+                <a:effectLst/>
+              </a:rPr>
+              <a:t>2 </a:t>
+            </a:r>
+            <a:r>
+              <a:rPr lang="en-US" sz="3600" b="1" dirty="0">
+                <a:solidFill>
+                  <a:srgbClr val="000066"/>
+                </a:solidFill>
+                <a:effectLst/>
+              </a:rPr>
+              <a:t>)</a:t>
+            </a:r>
+            <a:endParaRPr lang="vi-VN" sz="3600" b="1" dirty="0">
+              <a:solidFill>
+                <a:srgbClr val="000066"/>
+              </a:solidFill>
+              <a:effectLst/>
+            </a:endParaRPr>
+          </a:p>
+        </p:txBody>
+      </p:sp>
     </p:spTree>
+    <p:extLst>
+      <p:ext uri="{BB962C8B-B14F-4D97-AF65-F5344CB8AC3E}">
+        <p14:creationId xmlns:p14="http://schemas.microsoft.com/office/powerpoint/2010/main" val="2445481816"/>
+      </p:ext>
+    </p:extLst>
   </p:cSld>
   <p:clrMapOvr>
     <a:masterClrMapping/>
   </p:clrMapOvr>
+  <p:timing>
+    <p:tnLst>
+      <p:par>
+        <p:cTn id="1" dur="indefinite" restart="never" nodeType="tmRoot"/>
+      </p:par>
+    </p:tnLst>
+  </p:timing>
+</p:sld>
+</file>
+
+<file path=ppt/slides/slide8.xml><?xml version="1.0" encoding="utf-8"?>
+<p:sld xmlns:a="http://schemas.openxmlformats.org/drawingml/2006/main" xmlns:r="http://schemas.openxmlformats.org/officeDocument/2006/relationships" xmlns:p="http://schemas.openxmlformats.org/presentationml/2006/main">
+  <p:cSld>
+    <p:spTree>
+      <p:nvGrpSpPr>
+        <p:cNvPr id="1" name=""/>
+        <p:cNvGrpSpPr/>
+        <p:nvPr/>
+      </p:nvGrpSpPr>
+      <p:grpSpPr>
+        <a:xfrm>
+          <a:off x="0" y="0"/>
+          <a:ext cx="0" cy="0"/>
+          <a:chOff x="0" y="0"/>
+          <a:chExt cx="0" cy="0"/>
+        </a:xfrm>
+      </p:grpSpPr>
+      <p:sp>
+        <p:nvSpPr>
+          <p:cNvPr id="5" name="內容版面配置區 4"/>
+          <p:cNvSpPr>
+            <a:spLocks noGrp="1"/>
+          </p:cNvSpPr>
+          <p:nvPr>
+            <p:ph idx="1"/>
+          </p:nvPr>
+        </p:nvSpPr>
+        <p:spPr>
+          <a:xfrm>
+            <a:off x="0" y="1563639"/>
+            <a:ext cx="9144000" cy="1803647"/>
+          </a:xfrm>
+        </p:spPr>
+        <p:txBody>
+          <a:bodyPr anchor="ctr">
+            <a:normAutofit/>
+          </a:bodyPr>
+          <a:lstStyle/>
+          <a:p>
+            <a:pPr algn="ctr">
+              <a:buNone/>
+            </a:pPr>
+            <a:r>
+              <a:rPr lang="zh-CN" altLang="en-US" sz="4800" b="1" dirty="0">
+                <a:solidFill>
+                  <a:srgbClr val="000066"/>
+                </a:solidFill>
+                <a:latin typeface="微軟正黑體" pitchFamily="34" charset="-120"/>
+                <a:ea typeface="微軟正黑體" pitchFamily="34" charset="-120"/>
+              </a:rPr>
+              <a:t>喜樂平安屢屢失去</a:t>
+            </a:r>
+            <a:endParaRPr lang="en-US" altLang="zh-CN" sz="4800" b="1" dirty="0">
+              <a:solidFill>
+                <a:srgbClr val="000066"/>
+              </a:solidFill>
+              <a:latin typeface="微軟正黑體" pitchFamily="34" charset="-120"/>
+              <a:ea typeface="微軟正黑體" pitchFamily="34" charset="-120"/>
+            </a:endParaRPr>
+          </a:p>
+          <a:p>
+            <a:pPr algn="ctr">
+              <a:buNone/>
+            </a:pPr>
+            <a:r>
+              <a:rPr lang="zh-CN" altLang="en-US" sz="4800" b="1" dirty="0">
+                <a:solidFill>
+                  <a:srgbClr val="000066"/>
+                </a:solidFill>
+                <a:latin typeface="微軟正黑體" pitchFamily="34" charset="-120"/>
+                <a:ea typeface="微軟正黑體" pitchFamily="34" charset="-120"/>
+              </a:rPr>
+              <a:t>有時痛苦淚直流</a:t>
+            </a:r>
+            <a:endParaRPr lang="en-US" altLang="zh-CN" sz="4800" b="1" dirty="0">
+              <a:solidFill>
+                <a:srgbClr val="000066"/>
+              </a:solidFill>
+              <a:latin typeface="微軟正黑體" pitchFamily="34" charset="-120"/>
+              <a:ea typeface="微軟正黑體" pitchFamily="34" charset="-120"/>
+            </a:endParaRPr>
+          </a:p>
+        </p:txBody>
+      </p:sp>
+    </p:spTree>
+    <p:extLst>
+      <p:ext uri="{BB962C8B-B14F-4D97-AF65-F5344CB8AC3E}">
+        <p14:creationId xmlns:p14="http://schemas.microsoft.com/office/powerpoint/2010/main" val="452941844"/>
+      </p:ext>
+    </p:extLst>
+  </p:cSld>
+  <p:clrMapOvr>
+    <a:masterClrMapping/>
+  </p:clrMapOvr>
+  <p:timing>
+    <p:tnLst>
+      <p:par>
+        <p:cTn id="1" dur="indefinite" restart="never" nodeType="tmRoot"/>
+      </p:par>
+    </p:tnLst>
+  </p:timing>
+</p:sld>
+</file>
+
+<file path=ppt/slides/slide9.xml><?xml version="1.0" encoding="utf-8"?>
+<p:sld xmlns:a="http://schemas.openxmlformats.org/drawingml/2006/main" xmlns:r="http://schemas.openxmlformats.org/officeDocument/2006/relationships" xmlns:p="http://schemas.openxmlformats.org/presentationml/2006/main">
+  <p:cSld>
+    <p:spTree>
+      <p:nvGrpSpPr>
+        <p:cNvPr id="1" name=""/>
+        <p:cNvGrpSpPr/>
+        <p:nvPr/>
+      </p:nvGrpSpPr>
+      <p:grpSpPr>
+        <a:xfrm>
+          <a:off x="0" y="0"/>
+          <a:ext cx="0" cy="0"/>
+          <a:chOff x="0" y="0"/>
+          <a:chExt cx="0" cy="0"/>
+        </a:xfrm>
+      </p:grpSpPr>
+      <p:sp>
+        <p:nvSpPr>
+          <p:cNvPr id="5" name="內容版面配置區 4"/>
+          <p:cNvSpPr>
+            <a:spLocks noGrp="1"/>
+          </p:cNvSpPr>
+          <p:nvPr>
+            <p:ph idx="1"/>
+          </p:nvPr>
+        </p:nvSpPr>
+        <p:spPr>
+          <a:xfrm>
+            <a:off x="0" y="1563639"/>
+            <a:ext cx="9144000" cy="1803647"/>
+          </a:xfrm>
+        </p:spPr>
+        <p:txBody>
+          <a:bodyPr anchor="ctr">
+            <a:normAutofit/>
+          </a:bodyPr>
+          <a:lstStyle/>
+          <a:p>
+            <a:pPr algn="ctr">
+              <a:buNone/>
+            </a:pPr>
+            <a:r>
+              <a:rPr lang="zh-CN" altLang="en-US" sz="4800" b="1" dirty="0">
+                <a:solidFill>
+                  <a:srgbClr val="000066"/>
+                </a:solidFill>
+                <a:latin typeface="微軟正黑體" pitchFamily="34" charset="-120"/>
+                <a:ea typeface="微軟正黑體" pitchFamily="34" charset="-120"/>
+              </a:rPr>
+              <a:t>皆因世俗情慾纏繞</a:t>
+            </a:r>
+            <a:endParaRPr lang="en-US" altLang="zh-CN" sz="4800" b="1" dirty="0">
+              <a:solidFill>
+                <a:srgbClr val="000066"/>
+              </a:solidFill>
+              <a:latin typeface="微軟正黑體" pitchFamily="34" charset="-120"/>
+              <a:ea typeface="微軟正黑體" pitchFamily="34" charset="-120"/>
+            </a:endParaRPr>
+          </a:p>
+          <a:p>
+            <a:pPr algn="ctr">
+              <a:buNone/>
+            </a:pPr>
+            <a:r>
+              <a:rPr lang="zh-CN" altLang="en-US" sz="4800" b="1" dirty="0">
+                <a:solidFill>
+                  <a:srgbClr val="000066"/>
+                </a:solidFill>
+                <a:latin typeface="微軟正黑體" pitchFamily="34" charset="-120"/>
+                <a:ea typeface="微軟正黑體" pitchFamily="34" charset="-120"/>
+              </a:rPr>
+              <a:t>少在耶穌恩座求</a:t>
+            </a:r>
+            <a:endParaRPr lang="zh-TW" altLang="en-US" sz="4800" b="1" dirty="0">
+              <a:solidFill>
+                <a:srgbClr val="000066"/>
+              </a:solidFill>
+              <a:latin typeface="微軟正黑體" pitchFamily="34" charset="-120"/>
+              <a:ea typeface="微軟正黑體" pitchFamily="34" charset="-120"/>
+            </a:endParaRPr>
+          </a:p>
+        </p:txBody>
+      </p:sp>
+    </p:spTree>
+    <p:extLst>
+      <p:ext uri="{BB962C8B-B14F-4D97-AF65-F5344CB8AC3E}">
+        <p14:creationId xmlns:p14="http://schemas.microsoft.com/office/powerpoint/2010/main" val="47719326"/>
+      </p:ext>
+    </p:extLst>
+  </p:cSld>
+  <p:clrMapOvr>
+    <a:masterClrMapping/>
+  </p:clrMapOvr>
+  <p:timing>
+    <p:tnLst>
+      <p:par>
+        <p:cTn id="1" dur="indefinite" restart="never" nodeType="tmRoot"/>
+      </p:par>
+    </p:tnLst>
+  </p:timing>
 </p:sld>
 </file>
 

--- a/宣道詩/(宣道詩139)耶穌恩友.pptx
+++ b/宣道詩/(宣道詩139)耶穌恩友.pptx
@@ -317,7 +317,7 @@
             <a:fld id="{D04041B9-F864-44C2-A985-02331B6A2E1A}" type="datetimeFigureOut">
               <a:rPr lang="zh-TW" altLang="en-US" smtClean="0"/>
               <a:pPr/>
-              <a:t>2021/7/20</a:t>
+              <a:t>2021/7/21</a:t>
             </a:fld>
             <a:endParaRPr lang="zh-TW" altLang="en-US"/>
           </a:p>
@@ -484,7 +484,7 @@
             <a:fld id="{D04041B9-F864-44C2-A985-02331B6A2E1A}" type="datetimeFigureOut">
               <a:rPr lang="zh-TW" altLang="en-US" smtClean="0"/>
               <a:pPr/>
-              <a:t>2021/7/20</a:t>
+              <a:t>2021/7/21</a:t>
             </a:fld>
             <a:endParaRPr lang="zh-TW" altLang="en-US"/>
           </a:p>
@@ -661,7 +661,7 @@
             <a:fld id="{D04041B9-F864-44C2-A985-02331B6A2E1A}" type="datetimeFigureOut">
               <a:rPr lang="zh-TW" altLang="en-US" smtClean="0"/>
               <a:pPr/>
-              <a:t>2021/7/20</a:t>
+              <a:t>2021/7/21</a:t>
             </a:fld>
             <a:endParaRPr lang="zh-TW" altLang="en-US"/>
           </a:p>
@@ -828,7 +828,7 @@
             <a:fld id="{D04041B9-F864-44C2-A985-02331B6A2E1A}" type="datetimeFigureOut">
               <a:rPr lang="zh-TW" altLang="en-US" smtClean="0"/>
               <a:pPr/>
-              <a:t>2021/7/20</a:t>
+              <a:t>2021/7/21</a:t>
             </a:fld>
             <a:endParaRPr lang="zh-TW" altLang="en-US"/>
           </a:p>
@@ -1071,7 +1071,7 @@
             <a:fld id="{D04041B9-F864-44C2-A985-02331B6A2E1A}" type="datetimeFigureOut">
               <a:rPr lang="zh-TW" altLang="en-US" smtClean="0"/>
               <a:pPr/>
-              <a:t>2021/7/20</a:t>
+              <a:t>2021/7/21</a:t>
             </a:fld>
             <a:endParaRPr lang="zh-TW" altLang="en-US"/>
           </a:p>
@@ -1356,7 +1356,7 @@
             <a:fld id="{D04041B9-F864-44C2-A985-02331B6A2E1A}" type="datetimeFigureOut">
               <a:rPr lang="zh-TW" altLang="en-US" smtClean="0"/>
               <a:pPr/>
-              <a:t>2021/7/20</a:t>
+              <a:t>2021/7/21</a:t>
             </a:fld>
             <a:endParaRPr lang="zh-TW" altLang="en-US"/>
           </a:p>
@@ -1775,7 +1775,7 @@
             <a:fld id="{D04041B9-F864-44C2-A985-02331B6A2E1A}" type="datetimeFigureOut">
               <a:rPr lang="zh-TW" altLang="en-US" smtClean="0"/>
               <a:pPr/>
-              <a:t>2021/7/20</a:t>
+              <a:t>2021/7/21</a:t>
             </a:fld>
             <a:endParaRPr lang="zh-TW" altLang="en-US"/>
           </a:p>
@@ -1890,7 +1890,7 @@
             <a:fld id="{D04041B9-F864-44C2-A985-02331B6A2E1A}" type="datetimeFigureOut">
               <a:rPr lang="zh-TW" altLang="en-US" smtClean="0"/>
               <a:pPr/>
-              <a:t>2021/7/20</a:t>
+              <a:t>2021/7/21</a:t>
             </a:fld>
             <a:endParaRPr lang="zh-TW" altLang="en-US"/>
           </a:p>
@@ -1982,7 +1982,7 @@
             <a:fld id="{D04041B9-F864-44C2-A985-02331B6A2E1A}" type="datetimeFigureOut">
               <a:rPr lang="zh-TW" altLang="en-US" smtClean="0"/>
               <a:pPr/>
-              <a:t>2021/7/20</a:t>
+              <a:t>2021/7/21</a:t>
             </a:fld>
             <a:endParaRPr lang="zh-TW" altLang="en-US"/>
           </a:p>
@@ -2256,7 +2256,7 @@
             <a:fld id="{D04041B9-F864-44C2-A985-02331B6A2E1A}" type="datetimeFigureOut">
               <a:rPr lang="zh-TW" altLang="en-US" smtClean="0"/>
               <a:pPr/>
-              <a:t>2021/7/20</a:t>
+              <a:t>2021/7/21</a:t>
             </a:fld>
             <a:endParaRPr lang="zh-TW" altLang="en-US"/>
           </a:p>
@@ -2510,7 +2510,7 @@
             <a:fld id="{D04041B9-F864-44C2-A985-02331B6A2E1A}" type="datetimeFigureOut">
               <a:rPr lang="zh-TW" altLang="en-US" smtClean="0"/>
               <a:pPr/>
-              <a:t>2021/7/20</a:t>
+              <a:t>2021/7/21</a:t>
             </a:fld>
             <a:endParaRPr lang="zh-TW" altLang="en-US"/>
           </a:p>
@@ -2725,7 +2725,7 @@
             <a:fld id="{D04041B9-F864-44C2-A985-02331B6A2E1A}" type="datetimeFigureOut">
               <a:rPr lang="zh-TW" altLang="en-US" smtClean="0"/>
               <a:pPr/>
-              <a:t>2021/7/20</a:t>
+              <a:t>2021/7/21</a:t>
             </a:fld>
             <a:endParaRPr lang="zh-TW" altLang="en-US"/>
           </a:p>
@@ -3625,14 +3625,46 @@
               <a:buNone/>
             </a:pPr>
             <a:r>
-              <a:rPr lang="zh-CN" altLang="en-US" sz="4800" b="1" dirty="0">
+              <a:rPr lang="zh-CN" altLang="en-US" sz="4800" b="1" dirty="0" smtClean="0">
                 <a:solidFill>
                   <a:srgbClr val="000066"/>
                 </a:solidFill>
                 <a:latin typeface="微軟正黑體" pitchFamily="34" charset="-120"/>
                 <a:ea typeface="微軟正黑體" pitchFamily="34" charset="-120"/>
               </a:rPr>
-              <a:t>喜樂平安屢屢失去</a:t>
+              <a:t>親或輕我友或離我</a:t>
+            </a:r>
+            <a:endParaRPr lang="en-US" altLang="zh-CN" sz="4800" b="1" dirty="0" smtClean="0">
+              <a:solidFill>
+                <a:srgbClr val="000066"/>
+              </a:solidFill>
+              <a:latin typeface="微軟正黑體" pitchFamily="34" charset="-120"/>
+              <a:ea typeface="微軟正黑體" pitchFamily="34" charset="-120"/>
+            </a:endParaRPr>
+          </a:p>
+          <a:p>
+            <a:pPr algn="ctr">
+              <a:buNone/>
+            </a:pPr>
+            <a:r>
+              <a:rPr lang="zh-CN" altLang="en-US" sz="4800" b="1" dirty="0">
+                <a:solidFill>
+                  <a:srgbClr val="000066"/>
+                </a:solidFill>
+                <a:latin typeface="微軟正黑體" pitchFamily="34" charset="-120"/>
+                <a:ea typeface="微軟正黑體" pitchFamily="34" charset="-120"/>
+              </a:rPr>
+              <a:t>財</a:t>
+            </a:r>
+            <a:r>
+              <a:rPr lang="zh-CN" altLang="en-US" sz="4800" b="1" dirty="0" smtClean="0">
+                <a:solidFill>
+                  <a:srgbClr val="000066"/>
+                </a:solidFill>
+                <a:latin typeface="微軟正黑體" pitchFamily="34" charset="-120"/>
+                <a:ea typeface="微軟正黑體" pitchFamily="34" charset="-120"/>
+              </a:rPr>
+              <a:t>寶名利無存留</a:t>
             </a:r>
             <a:endParaRPr lang="en-US" altLang="zh-CN" sz="4800" b="1" dirty="0">
               <a:solidFill>
@@ -3642,26 +3674,63 @@
               <a:ea typeface="微軟正黑體" pitchFamily="34" charset="-120"/>
             </a:endParaRPr>
           </a:p>
-          <a:p>
-            <a:pPr algn="ctr">
-              <a:buNone/>
-            </a:pPr>
-            <a:r>
-              <a:rPr lang="zh-CN" altLang="en-US" sz="4800" b="1" dirty="0">
-                <a:solidFill>
-                  <a:srgbClr val="000066"/>
-                </a:solidFill>
-                <a:latin typeface="微軟正黑體" pitchFamily="34" charset="-120"/>
-                <a:ea typeface="微軟正黑體" pitchFamily="34" charset="-120"/>
-              </a:rPr>
-              <a:t>有時痛苦淚直流</a:t>
-            </a:r>
-            <a:endParaRPr lang="en-US" altLang="zh-CN" sz="4800" b="1" dirty="0">
+        </p:txBody>
+      </p:sp>
+      <p:sp>
+        <p:nvSpPr>
+          <p:cNvPr id="3" name="TextBox 2"/>
+          <p:cNvSpPr txBox="1"/>
+          <p:nvPr/>
+        </p:nvSpPr>
+        <p:spPr>
+          <a:xfrm>
+            <a:off x="0" y="3803914"/>
+            <a:ext cx="9144000" cy="646331"/>
+          </a:xfrm>
+          <a:prstGeom prst="rect">
+            <a:avLst/>
+          </a:prstGeom>
+          <a:noFill/>
+        </p:spPr>
+        <p:txBody>
+          <a:bodyPr wrap="square" rtlCol="0">
+            <a:spAutoFit/>
+          </a:bodyPr>
+          <a:lstStyle/>
+          <a:p>
+            <a:pPr algn="ctr"/>
+            <a:r>
+              <a:rPr lang="en-US" sz="3600" b="1" dirty="0">
+                <a:solidFill>
+                  <a:srgbClr val="000066"/>
+                </a:solidFill>
+                <a:effectLst/>
+              </a:rPr>
+              <a:t>( </a:t>
+            </a:r>
+            <a:r>
+              <a:rPr lang="en-US" sz="3600" b="1" dirty="0" smtClean="0">
+                <a:solidFill>
+                  <a:srgbClr val="000066"/>
+                </a:solidFill>
+                <a:effectLst/>
+              </a:rPr>
+              <a:t>3 </a:t>
+            </a:r>
+            <a:r>
+              <a:rPr lang="en-US" sz="3600" b="1" dirty="0">
+                <a:solidFill>
+                  <a:srgbClr val="000066"/>
+                </a:solidFill>
+                <a:effectLst/>
+              </a:rPr>
+              <a:t>)</a:t>
+            </a:r>
+            <a:endParaRPr lang="vi-VN" sz="3600" b="1" dirty="0">
               <a:solidFill>
                 <a:srgbClr val="000066"/>
               </a:solidFill>
-              <a:latin typeface="微軟正黑體" pitchFamily="34" charset="-120"/>
-              <a:ea typeface="微軟正黑體" pitchFamily="34" charset="-120"/>
+              <a:effectLst/>
             </a:endParaRPr>
           </a:p>
         </p:txBody>
@@ -3729,16 +3798,16 @@
               <a:buNone/>
             </a:pPr>
             <a:r>
-              <a:rPr lang="zh-CN" altLang="en-US" sz="4800" b="1" dirty="0">
+              <a:rPr lang="zh-CN" altLang="en-US" sz="4800" b="1" dirty="0" smtClean="0">
                 <a:solidFill>
                   <a:srgbClr val="000066"/>
                 </a:solidFill>
                 <a:latin typeface="微軟正黑體" pitchFamily="34" charset="-120"/>
                 <a:ea typeface="微軟正黑體" pitchFamily="34" charset="-120"/>
               </a:rPr>
-              <a:t>皆因世俗情慾纏繞</a:t>
-            </a:r>
-            <a:endParaRPr lang="en-US" altLang="zh-CN" sz="4800" b="1" dirty="0">
+              <a:t>惟一恆友極其穩妥</a:t>
+            </a:r>
+            <a:endParaRPr lang="en-US" altLang="zh-CN" sz="4800" b="1" dirty="0" smtClean="0">
               <a:solidFill>
                 <a:srgbClr val="000066"/>
               </a:solidFill>
@@ -3758,7 +3827,17 @@
                 <a:latin typeface="微軟正黑體" pitchFamily="34" charset="-120"/>
                 <a:ea typeface="微軟正黑體" pitchFamily="34" charset="-120"/>
               </a:rPr>
-              <a:t>少在耶穌恩座求</a:t>
+              <a:t>常</a:t>
+            </a:r>
+            <a:r>
+              <a:rPr lang="zh-CN" altLang="en-US" sz="4800" b="1" dirty="0" smtClean="0">
+                <a:solidFill>
+                  <a:srgbClr val="000066"/>
+                </a:solidFill>
+                <a:latin typeface="微軟正黑體" pitchFamily="34" charset="-120"/>
+                <a:ea typeface="微軟正黑體" pitchFamily="34" charset="-120"/>
+              </a:rPr>
+              <a:t>在耶穌恩坐求</a:t>
             </a:r>
             <a:endParaRPr lang="zh-TW" altLang="en-US" sz="4800" b="1" dirty="0">
               <a:solidFill>
@@ -3766,6 +3845,65 @@
               </a:solidFill>
               <a:latin typeface="微軟正黑體" pitchFamily="34" charset="-120"/>
               <a:ea typeface="微軟正黑體" pitchFamily="34" charset="-120"/>
+            </a:endParaRPr>
+          </a:p>
+        </p:txBody>
+      </p:sp>
+      <p:sp>
+        <p:nvSpPr>
+          <p:cNvPr id="3" name="TextBox 2"/>
+          <p:cNvSpPr txBox="1"/>
+          <p:nvPr/>
+        </p:nvSpPr>
+        <p:spPr>
+          <a:xfrm>
+            <a:off x="0" y="3803914"/>
+            <a:ext cx="9144000" cy="646331"/>
+          </a:xfrm>
+          <a:prstGeom prst="rect">
+            <a:avLst/>
+          </a:prstGeom>
+          <a:noFill/>
+        </p:spPr>
+        <p:txBody>
+          <a:bodyPr wrap="square" rtlCol="0">
+            <a:spAutoFit/>
+          </a:bodyPr>
+          <a:lstStyle/>
+          <a:p>
+            <a:pPr algn="ctr"/>
+            <a:r>
+              <a:rPr lang="en-US" sz="3600" b="1" dirty="0">
+                <a:solidFill>
+                  <a:srgbClr val="000066"/>
+                </a:solidFill>
+                <a:effectLst/>
+              </a:rPr>
+              <a:t>( </a:t>
+            </a:r>
+            <a:r>
+              <a:rPr lang="en-US" sz="3600" b="1" dirty="0" smtClean="0">
+                <a:solidFill>
+                  <a:srgbClr val="000066"/>
+                </a:solidFill>
+                <a:effectLst/>
+              </a:rPr>
+              <a:t>3 </a:t>
+            </a:r>
+            <a:r>
+              <a:rPr lang="en-US" sz="3600" b="1" dirty="0">
+                <a:solidFill>
+                  <a:srgbClr val="000066"/>
+                </a:solidFill>
+                <a:effectLst/>
+              </a:rPr>
+              <a:t>)</a:t>
+            </a:r>
+            <a:endParaRPr lang="vi-VN" sz="3600" b="1" dirty="0">
+              <a:solidFill>
+                <a:srgbClr val="000066"/>
+              </a:solidFill>
+              <a:effectLst/>
             </a:endParaRPr>
           </a:p>
         </p:txBody>
@@ -4164,6 +4302,47 @@
           </a:p>
         </p:txBody>
       </p:sp>
+      <p:sp>
+        <p:nvSpPr>
+          <p:cNvPr id="3" name="TextBox 2"/>
+          <p:cNvSpPr txBox="1"/>
+          <p:nvPr/>
+        </p:nvSpPr>
+        <p:spPr>
+          <a:xfrm>
+            <a:off x="0" y="3803914"/>
+            <a:ext cx="9144000" cy="646331"/>
+          </a:xfrm>
+          <a:prstGeom prst="rect">
+            <a:avLst/>
+          </a:prstGeom>
+          <a:noFill/>
+        </p:spPr>
+        <p:txBody>
+          <a:bodyPr wrap="square" rtlCol="0">
+            <a:spAutoFit/>
+          </a:bodyPr>
+          <a:lstStyle/>
+          <a:p>
+            <a:pPr algn="ctr"/>
+            <a:r>
+              <a:rPr lang="en-US" sz="3600" b="1" dirty="0">
+                <a:solidFill>
+                  <a:srgbClr val="000066"/>
+                </a:solidFill>
+                <a:effectLst/>
+              </a:rPr>
+              <a:t>( 1 )</a:t>
+            </a:r>
+            <a:endParaRPr lang="vi-VN" sz="3600" b="1" dirty="0">
+              <a:solidFill>
+                <a:srgbClr val="000066"/>
+              </a:solidFill>
+              <a:effectLst/>
+            </a:endParaRPr>
+          </a:p>
+        </p:txBody>
+      </p:sp>
     </p:spTree>
     <p:extLst>
       <p:ext uri="{BB962C8B-B14F-4D97-AF65-F5344CB8AC3E}">
@@ -4268,6 +4447,47 @@
           </a:p>
         </p:txBody>
       </p:sp>
+      <p:sp>
+        <p:nvSpPr>
+          <p:cNvPr id="3" name="TextBox 2"/>
+          <p:cNvSpPr txBox="1"/>
+          <p:nvPr/>
+        </p:nvSpPr>
+        <p:spPr>
+          <a:xfrm>
+            <a:off x="0" y="3803914"/>
+            <a:ext cx="9144000" cy="646331"/>
+          </a:xfrm>
+          <a:prstGeom prst="rect">
+            <a:avLst/>
+          </a:prstGeom>
+          <a:noFill/>
+        </p:spPr>
+        <p:txBody>
+          <a:bodyPr wrap="square" rtlCol="0">
+            <a:spAutoFit/>
+          </a:bodyPr>
+          <a:lstStyle/>
+          <a:p>
+            <a:pPr algn="ctr"/>
+            <a:r>
+              <a:rPr lang="en-US" sz="3600" b="1" dirty="0">
+                <a:solidFill>
+                  <a:srgbClr val="000066"/>
+                </a:solidFill>
+                <a:effectLst/>
+              </a:rPr>
+              <a:t>( 1 )</a:t>
+            </a:r>
+            <a:endParaRPr lang="vi-VN" sz="3600" b="1" dirty="0">
+              <a:solidFill>
+                <a:srgbClr val="000066"/>
+              </a:solidFill>
+              <a:effectLst/>
+            </a:endParaRPr>
+          </a:p>
+        </p:txBody>
+      </p:sp>
     </p:spTree>
     <p:extLst>
       <p:ext uri="{BB962C8B-B14F-4D97-AF65-F5344CB8AC3E}">
@@ -4657,14 +4877,46 @@
               <a:buNone/>
             </a:pPr>
             <a:r>
-              <a:rPr lang="zh-CN" altLang="en-US" sz="4800" b="1" dirty="0">
+              <a:rPr lang="zh-CN" altLang="en-US" sz="4800" b="1" dirty="0" smtClean="0">
                 <a:solidFill>
                   <a:srgbClr val="000066"/>
                 </a:solidFill>
                 <a:latin typeface="微軟正黑體" pitchFamily="34" charset="-120"/>
                 <a:ea typeface="微軟正黑體" pitchFamily="34" charset="-120"/>
               </a:rPr>
-              <a:t>喜樂平安屢屢失去</a:t>
+              <a:t>耶穌深知我們軟弱</a:t>
+            </a:r>
+            <a:endParaRPr lang="en-US" altLang="zh-CN" sz="4800" b="1" dirty="0" smtClean="0">
+              <a:solidFill>
+                <a:srgbClr val="000066"/>
+              </a:solidFill>
+              <a:latin typeface="微軟正黑體" pitchFamily="34" charset="-120"/>
+              <a:ea typeface="微軟正黑體" pitchFamily="34" charset="-120"/>
+            </a:endParaRPr>
+          </a:p>
+          <a:p>
+            <a:pPr algn="ctr">
+              <a:buNone/>
+            </a:pPr>
+            <a:r>
+              <a:rPr lang="zh-CN" altLang="en-US" sz="4800" b="1" dirty="0">
+                <a:solidFill>
+                  <a:srgbClr val="000066"/>
+                </a:solidFill>
+                <a:latin typeface="微軟正黑體" pitchFamily="34" charset="-120"/>
+                <a:ea typeface="微軟正黑體" pitchFamily="34" charset="-120"/>
+              </a:rPr>
+              <a:t>搭</a:t>
+            </a:r>
+            <a:r>
+              <a:rPr lang="zh-CN" altLang="en-US" sz="4800" b="1" dirty="0" smtClean="0">
+                <a:solidFill>
+                  <a:srgbClr val="000066"/>
+                </a:solidFill>
+                <a:latin typeface="微軟正黑體" pitchFamily="34" charset="-120"/>
+                <a:ea typeface="微軟正黑體" pitchFamily="34" charset="-120"/>
+              </a:rPr>
+              <a:t>救體恤愛無休</a:t>
             </a:r>
             <a:endParaRPr lang="en-US" altLang="zh-CN" sz="4800" b="1" dirty="0">
               <a:solidFill>
@@ -4674,26 +4926,63 @@
               <a:ea typeface="微軟正黑體" pitchFamily="34" charset="-120"/>
             </a:endParaRPr>
           </a:p>
-          <a:p>
-            <a:pPr algn="ctr">
-              <a:buNone/>
-            </a:pPr>
-            <a:r>
-              <a:rPr lang="zh-CN" altLang="en-US" sz="4800" b="1" dirty="0">
-                <a:solidFill>
-                  <a:srgbClr val="000066"/>
-                </a:solidFill>
-                <a:latin typeface="微軟正黑體" pitchFamily="34" charset="-120"/>
-                <a:ea typeface="微軟正黑體" pitchFamily="34" charset="-120"/>
-              </a:rPr>
-              <a:t>有時痛苦淚直流</a:t>
-            </a:r>
-            <a:endParaRPr lang="en-US" altLang="zh-CN" sz="4800" b="1" dirty="0">
+        </p:txBody>
+      </p:sp>
+      <p:sp>
+        <p:nvSpPr>
+          <p:cNvPr id="3" name="TextBox 2"/>
+          <p:cNvSpPr txBox="1"/>
+          <p:nvPr/>
+        </p:nvSpPr>
+        <p:spPr>
+          <a:xfrm>
+            <a:off x="0" y="3803914"/>
+            <a:ext cx="9144000" cy="646331"/>
+          </a:xfrm>
+          <a:prstGeom prst="rect">
+            <a:avLst/>
+          </a:prstGeom>
+          <a:noFill/>
+        </p:spPr>
+        <p:txBody>
+          <a:bodyPr wrap="square" rtlCol="0">
+            <a:spAutoFit/>
+          </a:bodyPr>
+          <a:lstStyle/>
+          <a:p>
+            <a:pPr algn="ctr"/>
+            <a:r>
+              <a:rPr lang="en-US" sz="3600" b="1" dirty="0">
+                <a:solidFill>
+                  <a:srgbClr val="000066"/>
+                </a:solidFill>
+                <a:effectLst/>
+              </a:rPr>
+              <a:t>( </a:t>
+            </a:r>
+            <a:r>
+              <a:rPr lang="en-US" sz="3600" b="1" dirty="0" smtClean="0">
+                <a:solidFill>
+                  <a:srgbClr val="000066"/>
+                </a:solidFill>
+                <a:effectLst/>
+              </a:rPr>
+              <a:t>2 </a:t>
+            </a:r>
+            <a:r>
+              <a:rPr lang="en-US" sz="3600" b="1" dirty="0">
+                <a:solidFill>
+                  <a:srgbClr val="000066"/>
+                </a:solidFill>
+                <a:effectLst/>
+              </a:rPr>
+              <a:t>)</a:t>
+            </a:r>
+            <a:endParaRPr lang="vi-VN" sz="3600" b="1" dirty="0">
               <a:solidFill>
                 <a:srgbClr val="000066"/>
               </a:solidFill>
-              <a:latin typeface="微軟正黑體" pitchFamily="34" charset="-120"/>
-              <a:ea typeface="微軟正黑體" pitchFamily="34" charset="-120"/>
+              <a:effectLst/>
             </a:endParaRPr>
           </a:p>
         </p:txBody>
@@ -4761,16 +5050,16 @@
               <a:buNone/>
             </a:pPr>
             <a:r>
-              <a:rPr lang="zh-CN" altLang="en-US" sz="4800" b="1" dirty="0">
+              <a:rPr lang="zh-CN" altLang="en-US" sz="4800" b="1" dirty="0" smtClean="0">
                 <a:solidFill>
                   <a:srgbClr val="000066"/>
                 </a:solidFill>
                 <a:latin typeface="微軟正黑體" pitchFamily="34" charset="-120"/>
                 <a:ea typeface="微軟正黑體" pitchFamily="34" charset="-120"/>
               </a:rPr>
-              <a:t>皆因世俗情慾纏繞</a:t>
-            </a:r>
-            <a:endParaRPr lang="en-US" altLang="zh-CN" sz="4800" b="1" dirty="0">
+              <a:t>確實信心堅持到底</a:t>
+            </a:r>
+            <a:endParaRPr lang="en-US" altLang="zh-CN" sz="4800" b="1" dirty="0" smtClean="0">
               <a:solidFill>
                 <a:srgbClr val="000066"/>
               </a:solidFill>
@@ -4783,14 +5072,14 @@
               <a:buNone/>
             </a:pPr>
             <a:r>
-              <a:rPr lang="zh-CN" altLang="en-US" sz="4800" b="1" dirty="0">
+              <a:rPr lang="zh-CN" altLang="en-US" sz="4800" b="1" dirty="0" smtClean="0">
                 <a:solidFill>
                   <a:srgbClr val="000066"/>
                 </a:solidFill>
                 <a:latin typeface="微軟正黑體" pitchFamily="34" charset="-120"/>
                 <a:ea typeface="微軟正黑體" pitchFamily="34" charset="-120"/>
               </a:rPr>
-              <a:t>少在耶穌恩座求</a:t>
+              <a:t>常在耶穌恩坐求</a:t>
             </a:r>
             <a:endParaRPr lang="zh-TW" altLang="en-US" sz="4800" b="1" dirty="0">
               <a:solidFill>
@@ -4798,6 +5087,65 @@
               </a:solidFill>
               <a:latin typeface="微軟正黑體" pitchFamily="34" charset="-120"/>
               <a:ea typeface="微軟正黑體" pitchFamily="34" charset="-120"/>
+            </a:endParaRPr>
+          </a:p>
+        </p:txBody>
+      </p:sp>
+      <p:sp>
+        <p:nvSpPr>
+          <p:cNvPr id="3" name="TextBox 2"/>
+          <p:cNvSpPr txBox="1"/>
+          <p:nvPr/>
+        </p:nvSpPr>
+        <p:spPr>
+          <a:xfrm>
+            <a:off x="0" y="3803914"/>
+            <a:ext cx="9144000" cy="646331"/>
+          </a:xfrm>
+          <a:prstGeom prst="rect">
+            <a:avLst/>
+          </a:prstGeom>
+          <a:noFill/>
+        </p:spPr>
+        <p:txBody>
+          <a:bodyPr wrap="square" rtlCol="0">
+            <a:spAutoFit/>
+          </a:bodyPr>
+          <a:lstStyle/>
+          <a:p>
+            <a:pPr algn="ctr"/>
+            <a:r>
+              <a:rPr lang="en-US" sz="3600" b="1" dirty="0">
+                <a:solidFill>
+                  <a:srgbClr val="000066"/>
+                </a:solidFill>
+                <a:effectLst/>
+              </a:rPr>
+              <a:t>( </a:t>
+            </a:r>
+            <a:r>
+              <a:rPr lang="en-US" sz="3600" b="1" dirty="0" smtClean="0">
+                <a:solidFill>
+                  <a:srgbClr val="000066"/>
+                </a:solidFill>
+                <a:effectLst/>
+              </a:rPr>
+              <a:t>2 </a:t>
+            </a:r>
+            <a:r>
+              <a:rPr lang="en-US" sz="3600" b="1" dirty="0">
+                <a:solidFill>
+                  <a:srgbClr val="000066"/>
+                </a:solidFill>
+                <a:effectLst/>
+              </a:rPr>
+              <a:t>)</a:t>
+            </a:r>
+            <a:endParaRPr lang="vi-VN" sz="3600" b="1" dirty="0">
+              <a:solidFill>
+                <a:srgbClr val="000066"/>
+              </a:solidFill>
+              <a:effectLst/>
             </a:endParaRPr>
           </a:p>
         </p:txBody>

--- a/宣道詩/(宣道詩139)耶穌恩友.pptx
+++ b/宣道詩/(宣道詩139)耶穌恩友.pptx
@@ -317,7 +317,7 @@
             <a:fld id="{D04041B9-F864-44C2-A985-02331B6A2E1A}" type="datetimeFigureOut">
               <a:rPr lang="zh-TW" altLang="en-US" smtClean="0"/>
               <a:pPr/>
-              <a:t>2021/7/21</a:t>
+              <a:t>2023/6/16</a:t>
             </a:fld>
             <a:endParaRPr lang="zh-TW" altLang="en-US"/>
           </a:p>
@@ -484,7 +484,7 @@
             <a:fld id="{D04041B9-F864-44C2-A985-02331B6A2E1A}" type="datetimeFigureOut">
               <a:rPr lang="zh-TW" altLang="en-US" smtClean="0"/>
               <a:pPr/>
-              <a:t>2021/7/21</a:t>
+              <a:t>2023/6/16</a:t>
             </a:fld>
             <a:endParaRPr lang="zh-TW" altLang="en-US"/>
           </a:p>
@@ -661,7 +661,7 @@
             <a:fld id="{D04041B9-F864-44C2-A985-02331B6A2E1A}" type="datetimeFigureOut">
               <a:rPr lang="zh-TW" altLang="en-US" smtClean="0"/>
               <a:pPr/>
-              <a:t>2021/7/21</a:t>
+              <a:t>2023/6/16</a:t>
             </a:fld>
             <a:endParaRPr lang="zh-TW" altLang="en-US"/>
           </a:p>
@@ -828,7 +828,7 @@
             <a:fld id="{D04041B9-F864-44C2-A985-02331B6A2E1A}" type="datetimeFigureOut">
               <a:rPr lang="zh-TW" altLang="en-US" smtClean="0"/>
               <a:pPr/>
-              <a:t>2021/7/21</a:t>
+              <a:t>2023/6/16</a:t>
             </a:fld>
             <a:endParaRPr lang="zh-TW" altLang="en-US"/>
           </a:p>
@@ -1071,7 +1071,7 @@
             <a:fld id="{D04041B9-F864-44C2-A985-02331B6A2E1A}" type="datetimeFigureOut">
               <a:rPr lang="zh-TW" altLang="en-US" smtClean="0"/>
               <a:pPr/>
-              <a:t>2021/7/21</a:t>
+              <a:t>2023/6/16</a:t>
             </a:fld>
             <a:endParaRPr lang="zh-TW" altLang="en-US"/>
           </a:p>
@@ -1356,7 +1356,7 @@
             <a:fld id="{D04041B9-F864-44C2-A985-02331B6A2E1A}" type="datetimeFigureOut">
               <a:rPr lang="zh-TW" altLang="en-US" smtClean="0"/>
               <a:pPr/>
-              <a:t>2021/7/21</a:t>
+              <a:t>2023/6/16</a:t>
             </a:fld>
             <a:endParaRPr lang="zh-TW" altLang="en-US"/>
           </a:p>
@@ -1775,7 +1775,7 @@
             <a:fld id="{D04041B9-F864-44C2-A985-02331B6A2E1A}" type="datetimeFigureOut">
               <a:rPr lang="zh-TW" altLang="en-US" smtClean="0"/>
               <a:pPr/>
-              <a:t>2021/7/21</a:t>
+              <a:t>2023/6/16</a:t>
             </a:fld>
             <a:endParaRPr lang="zh-TW" altLang="en-US"/>
           </a:p>
@@ -1890,7 +1890,7 @@
             <a:fld id="{D04041B9-F864-44C2-A985-02331B6A2E1A}" type="datetimeFigureOut">
               <a:rPr lang="zh-TW" altLang="en-US" smtClean="0"/>
               <a:pPr/>
-              <a:t>2021/7/21</a:t>
+              <a:t>2023/6/16</a:t>
             </a:fld>
             <a:endParaRPr lang="zh-TW" altLang="en-US"/>
           </a:p>
@@ -1982,7 +1982,7 @@
             <a:fld id="{D04041B9-F864-44C2-A985-02331B6A2E1A}" type="datetimeFigureOut">
               <a:rPr lang="zh-TW" altLang="en-US" smtClean="0"/>
               <a:pPr/>
-              <a:t>2021/7/21</a:t>
+              <a:t>2023/6/16</a:t>
             </a:fld>
             <a:endParaRPr lang="zh-TW" altLang="en-US"/>
           </a:p>
@@ -2256,7 +2256,7 @@
             <a:fld id="{D04041B9-F864-44C2-A985-02331B6A2E1A}" type="datetimeFigureOut">
               <a:rPr lang="zh-TW" altLang="en-US" smtClean="0"/>
               <a:pPr/>
-              <a:t>2021/7/21</a:t>
+              <a:t>2023/6/16</a:t>
             </a:fld>
             <a:endParaRPr lang="zh-TW" altLang="en-US"/>
           </a:p>
@@ -2510,7 +2510,7 @@
             <a:fld id="{D04041B9-F864-44C2-A985-02331B6A2E1A}" type="datetimeFigureOut">
               <a:rPr lang="zh-TW" altLang="en-US" smtClean="0"/>
               <a:pPr/>
-              <a:t>2021/7/21</a:t>
+              <a:t>2023/6/16</a:t>
             </a:fld>
             <a:endParaRPr lang="zh-TW" altLang="en-US"/>
           </a:p>
@@ -2725,7 +2725,7 @@
             <a:fld id="{D04041B9-F864-44C2-A985-02331B6A2E1A}" type="datetimeFigureOut">
               <a:rPr lang="zh-TW" altLang="en-US" smtClean="0"/>
               <a:pPr/>
-              <a:t>2021/7/21</a:t>
+              <a:t>2023/6/16</a:t>
             </a:fld>
             <a:endParaRPr lang="zh-TW" altLang="en-US"/>
           </a:p>
@@ -3349,7 +3349,7 @@
         <p:spPr>
           <a:xfrm>
             <a:off x="0" y="3803914"/>
-            <a:ext cx="9144000" cy="646331"/>
+            <a:ext cx="9144000" cy="523220"/>
           </a:xfrm>
           <a:prstGeom prst="rect">
             <a:avLst/>
@@ -3364,37 +3364,33 @@
           <a:p>
             <a:pPr algn="ctr"/>
             <a:r>
-              <a:rPr lang="en-US" sz="3600" b="1" dirty="0">
+              <a:rPr lang="en-US" sz="2800" b="1" dirty="0">
                 <a:solidFill>
                   <a:srgbClr val="000066"/>
                 </a:solidFill>
-                <a:effectLst/>
               </a:rPr>
               <a:t>( </a:t>
             </a:r>
             <a:r>
-              <a:rPr lang="en-US" sz="3600" b="1" dirty="0" smtClean="0">
+              <a:rPr lang="en-US" sz="2800" b="1" dirty="0">
                 <a:solidFill>
                   <a:srgbClr val="000066"/>
                 </a:solidFill>
-                <a:effectLst/>
               </a:rPr>
               <a:t>3 </a:t>
             </a:r>
             <a:r>
-              <a:rPr lang="en-US" sz="3600" b="1" dirty="0">
+              <a:rPr lang="en-US" sz="2800" b="1" dirty="0">
                 <a:solidFill>
                   <a:srgbClr val="000066"/>
                 </a:solidFill>
-                <a:effectLst/>
               </a:rPr>
-              <a:t>)</a:t>
-            </a:r>
-            <a:endParaRPr lang="vi-VN" sz="3600" b="1" dirty="0">
+              <a:t>/ 3 )</a:t>
+            </a:r>
+            <a:endParaRPr lang="vi-VN" sz="2800" b="1" dirty="0">
               <a:solidFill>
                 <a:srgbClr val="000066"/>
               </a:solidFill>
-              <a:effectLst/>
             </a:endParaRPr>
           </a:p>
         </p:txBody>
@@ -3512,7 +3508,7 @@
         <p:spPr>
           <a:xfrm>
             <a:off x="0" y="3803914"/>
-            <a:ext cx="9144000" cy="646331"/>
+            <a:ext cx="9144000" cy="523220"/>
           </a:xfrm>
           <a:prstGeom prst="rect">
             <a:avLst/>
@@ -3527,37 +3523,17 @@
           <a:p>
             <a:pPr algn="ctr"/>
             <a:r>
-              <a:rPr lang="en-US" sz="3600" b="1" dirty="0">
+              <a:rPr lang="en-US" sz="2800" b="1" dirty="0">
                 <a:solidFill>
                   <a:srgbClr val="000066"/>
                 </a:solidFill>
-                <a:effectLst/>
               </a:rPr>
-              <a:t>( </a:t>
-            </a:r>
-            <a:r>
-              <a:rPr lang="en-US" sz="3600" b="1" dirty="0" smtClean="0">
-                <a:solidFill>
-                  <a:srgbClr val="000066"/>
-                </a:solidFill>
-                <a:effectLst/>
-              </a:rPr>
-              <a:t>3 </a:t>
-            </a:r>
-            <a:r>
-              <a:rPr lang="en-US" sz="3600" b="1" dirty="0">
-                <a:solidFill>
-                  <a:srgbClr val="000066"/>
-                </a:solidFill>
-                <a:effectLst/>
-              </a:rPr>
-              <a:t>)</a:t>
-            </a:r>
-            <a:endParaRPr lang="vi-VN" sz="3600" b="1" dirty="0">
+              <a:t>( 3 / 3 )</a:t>
+            </a:r>
+            <a:endParaRPr lang="vi-VN" sz="2800" b="1" dirty="0">
               <a:solidFill>
                 <a:srgbClr val="000066"/>
               </a:solidFill>
-              <a:effectLst/>
             </a:endParaRPr>
           </a:p>
         </p:txBody>
@@ -3685,7 +3661,7 @@
         <p:spPr>
           <a:xfrm>
             <a:off x="0" y="3803914"/>
-            <a:ext cx="9144000" cy="646331"/>
+            <a:ext cx="9144000" cy="523220"/>
           </a:xfrm>
           <a:prstGeom prst="rect">
             <a:avLst/>
@@ -3700,37 +3676,17 @@
           <a:p>
             <a:pPr algn="ctr"/>
             <a:r>
-              <a:rPr lang="en-US" sz="3600" b="1" dirty="0">
+              <a:rPr lang="en-US" sz="2800" b="1" dirty="0">
                 <a:solidFill>
                   <a:srgbClr val="000066"/>
                 </a:solidFill>
-                <a:effectLst/>
               </a:rPr>
-              <a:t>( </a:t>
-            </a:r>
-            <a:r>
-              <a:rPr lang="en-US" sz="3600" b="1" dirty="0" smtClean="0">
-                <a:solidFill>
-                  <a:srgbClr val="000066"/>
-                </a:solidFill>
-                <a:effectLst/>
-              </a:rPr>
-              <a:t>3 </a:t>
-            </a:r>
-            <a:r>
-              <a:rPr lang="en-US" sz="3600" b="1" dirty="0">
-                <a:solidFill>
-                  <a:srgbClr val="000066"/>
-                </a:solidFill>
-                <a:effectLst/>
-              </a:rPr>
-              <a:t>)</a:t>
-            </a:r>
-            <a:endParaRPr lang="vi-VN" sz="3600" b="1" dirty="0">
+              <a:t>( 3 / 3 )</a:t>
+            </a:r>
+            <a:endParaRPr lang="vi-VN" sz="2800" b="1" dirty="0">
               <a:solidFill>
                 <a:srgbClr val="000066"/>
               </a:solidFill>
-              <a:effectLst/>
             </a:endParaRPr>
           </a:p>
         </p:txBody>
@@ -3858,7 +3814,7 @@
         <p:spPr>
           <a:xfrm>
             <a:off x="0" y="3803914"/>
-            <a:ext cx="9144000" cy="646331"/>
+            <a:ext cx="9144000" cy="523220"/>
           </a:xfrm>
           <a:prstGeom prst="rect">
             <a:avLst/>
@@ -3873,37 +3829,17 @@
           <a:p>
             <a:pPr algn="ctr"/>
             <a:r>
-              <a:rPr lang="en-US" sz="3600" b="1" dirty="0">
+              <a:rPr lang="en-US" sz="2800" b="1" dirty="0">
                 <a:solidFill>
                   <a:srgbClr val="000066"/>
                 </a:solidFill>
-                <a:effectLst/>
               </a:rPr>
-              <a:t>( </a:t>
-            </a:r>
-            <a:r>
-              <a:rPr lang="en-US" sz="3600" b="1" dirty="0" smtClean="0">
-                <a:solidFill>
-                  <a:srgbClr val="000066"/>
-                </a:solidFill>
-                <a:effectLst/>
-              </a:rPr>
-              <a:t>3 </a:t>
-            </a:r>
-            <a:r>
-              <a:rPr lang="en-US" sz="3600" b="1" dirty="0">
-                <a:solidFill>
-                  <a:srgbClr val="000066"/>
-                </a:solidFill>
-                <a:effectLst/>
-              </a:rPr>
-              <a:t>)</a:t>
-            </a:r>
-            <a:endParaRPr lang="vi-VN" sz="3600" b="1" dirty="0">
+              <a:t>( 3 / 3 )</a:t>
+            </a:r>
+            <a:endParaRPr lang="vi-VN" sz="2800" b="1" dirty="0">
               <a:solidFill>
                 <a:srgbClr val="000066"/>
               </a:solidFill>
-              <a:effectLst/>
             </a:endParaRPr>
           </a:p>
         </p:txBody>
@@ -4021,7 +3957,7 @@
         <p:spPr>
           <a:xfrm>
             <a:off x="0" y="3803914"/>
-            <a:ext cx="9144000" cy="646331"/>
+            <a:ext cx="9144000" cy="523220"/>
           </a:xfrm>
           <a:prstGeom prst="rect">
             <a:avLst/>
@@ -4036,15 +3972,33 @@
           <a:p>
             <a:pPr algn="ctr"/>
             <a:r>
-              <a:rPr lang="en-US" sz="3600" b="1" dirty="0">
+              <a:rPr lang="en-US" sz="2800" b="1" dirty="0">
                 <a:solidFill>
                   <a:srgbClr val="000066"/>
                 </a:solidFill>
                 <a:effectLst/>
               </a:rPr>
-              <a:t>( 1 )</a:t>
-            </a:r>
-            <a:endParaRPr lang="vi-VN" sz="3600" b="1" dirty="0">
+              <a:t>( </a:t>
+            </a:r>
+            <a:r>
+              <a:rPr lang="en-US" sz="2800" b="1" dirty="0" smtClean="0">
+                <a:solidFill>
+                  <a:srgbClr val="000066"/>
+                </a:solidFill>
+                <a:effectLst/>
+              </a:rPr>
+              <a:t>1 / 3 </a:t>
+            </a:r>
+            <a:r>
+              <a:rPr lang="en-US" sz="2800" b="1" dirty="0">
+                <a:solidFill>
+                  <a:srgbClr val="000066"/>
+                </a:solidFill>
+                <a:effectLst/>
+              </a:rPr>
+              <a:t>)</a:t>
+            </a:r>
+            <a:endParaRPr lang="vi-VN" sz="2800" b="1" dirty="0">
               <a:solidFill>
                 <a:srgbClr val="000066"/>
               </a:solidFill>
@@ -4166,7 +4120,7 @@
         <p:spPr>
           <a:xfrm>
             <a:off x="0" y="3803914"/>
-            <a:ext cx="9144000" cy="646331"/>
+            <a:ext cx="9144000" cy="523220"/>
           </a:xfrm>
           <a:prstGeom prst="rect">
             <a:avLst/>
@@ -4181,19 +4135,17 @@
           <a:p>
             <a:pPr algn="ctr"/>
             <a:r>
-              <a:rPr lang="en-US" sz="3600" b="1" dirty="0">
+              <a:rPr lang="en-US" sz="2800" b="1" dirty="0">
                 <a:solidFill>
                   <a:srgbClr val="000066"/>
                 </a:solidFill>
-                <a:effectLst/>
               </a:rPr>
-              <a:t>( 1 )</a:t>
-            </a:r>
-            <a:endParaRPr lang="vi-VN" sz="3600" b="1" dirty="0">
+              <a:t>( 1 / 3 )</a:t>
+            </a:r>
+            <a:endParaRPr lang="vi-VN" sz="2800" b="1" dirty="0">
               <a:solidFill>
                 <a:srgbClr val="000066"/>
               </a:solidFill>
-              <a:effectLst/>
             </a:endParaRPr>
           </a:p>
         </p:txBody>
@@ -4311,7 +4263,7 @@
         <p:spPr>
           <a:xfrm>
             <a:off x="0" y="3803914"/>
-            <a:ext cx="9144000" cy="646331"/>
+            <a:ext cx="9144000" cy="523220"/>
           </a:xfrm>
           <a:prstGeom prst="rect">
             <a:avLst/>
@@ -4326,19 +4278,17 @@
           <a:p>
             <a:pPr algn="ctr"/>
             <a:r>
-              <a:rPr lang="en-US" sz="3600" b="1" dirty="0">
+              <a:rPr lang="en-US" sz="2800" b="1" dirty="0">
                 <a:solidFill>
                   <a:srgbClr val="000066"/>
                 </a:solidFill>
-                <a:effectLst/>
               </a:rPr>
-              <a:t>( 1 )</a:t>
-            </a:r>
-            <a:endParaRPr lang="vi-VN" sz="3600" b="1" dirty="0">
+              <a:t>( 1 / 3 )</a:t>
+            </a:r>
+            <a:endParaRPr lang="vi-VN" sz="2800" b="1" dirty="0">
               <a:solidFill>
                 <a:srgbClr val="000066"/>
               </a:solidFill>
-              <a:effectLst/>
             </a:endParaRPr>
           </a:p>
         </p:txBody>
@@ -4456,7 +4406,7 @@
         <p:spPr>
           <a:xfrm>
             <a:off x="0" y="3803914"/>
-            <a:ext cx="9144000" cy="646331"/>
+            <a:ext cx="9144000" cy="523220"/>
           </a:xfrm>
           <a:prstGeom prst="rect">
             <a:avLst/>
@@ -4471,19 +4421,17 @@
           <a:p>
             <a:pPr algn="ctr"/>
             <a:r>
-              <a:rPr lang="en-US" sz="3600" b="1" dirty="0">
+              <a:rPr lang="en-US" sz="2800" b="1" dirty="0">
                 <a:solidFill>
                   <a:srgbClr val="000066"/>
                 </a:solidFill>
-                <a:effectLst/>
               </a:rPr>
-              <a:t>( 1 )</a:t>
-            </a:r>
-            <a:endParaRPr lang="vi-VN" sz="3600" b="1" dirty="0">
+              <a:t>( 1 / 3 )</a:t>
+            </a:r>
+            <a:endParaRPr lang="vi-VN" sz="2800" b="1" dirty="0">
               <a:solidFill>
                 <a:srgbClr val="000066"/>
               </a:solidFill>
-              <a:effectLst/>
             </a:endParaRPr>
           </a:p>
         </p:txBody>
@@ -4601,7 +4549,7 @@
         <p:spPr>
           <a:xfrm>
             <a:off x="0" y="3803914"/>
-            <a:ext cx="9144000" cy="646331"/>
+            <a:ext cx="9144000" cy="523220"/>
           </a:xfrm>
           <a:prstGeom prst="rect">
             <a:avLst/>
@@ -4616,37 +4564,33 @@
           <a:p>
             <a:pPr algn="ctr"/>
             <a:r>
-              <a:rPr lang="en-US" sz="3600" b="1" dirty="0">
+              <a:rPr lang="en-US" sz="2800" b="1" dirty="0">
                 <a:solidFill>
                   <a:srgbClr val="000066"/>
                 </a:solidFill>
-                <a:effectLst/>
               </a:rPr>
               <a:t>( </a:t>
             </a:r>
             <a:r>
-              <a:rPr lang="en-US" sz="3600" b="1" dirty="0" smtClean="0">
+              <a:rPr lang="en-US" sz="2800" b="1" dirty="0">
                 <a:solidFill>
                   <a:srgbClr val="000066"/>
                 </a:solidFill>
-                <a:effectLst/>
               </a:rPr>
               <a:t>2 </a:t>
             </a:r>
             <a:r>
-              <a:rPr lang="en-US" sz="3600" b="1" dirty="0">
+              <a:rPr lang="en-US" sz="2800" b="1" dirty="0">
                 <a:solidFill>
                   <a:srgbClr val="000066"/>
                 </a:solidFill>
-                <a:effectLst/>
               </a:rPr>
-              <a:t>)</a:t>
-            </a:r>
-            <a:endParaRPr lang="vi-VN" sz="3600" b="1" dirty="0">
+              <a:t>/ 3 )</a:t>
+            </a:r>
+            <a:endParaRPr lang="vi-VN" sz="2800" b="1" dirty="0">
               <a:solidFill>
                 <a:srgbClr val="000066"/>
               </a:solidFill>
-              <a:effectLst/>
             </a:endParaRPr>
           </a:p>
         </p:txBody>
@@ -4764,7 +4708,7 @@
         <p:spPr>
           <a:xfrm>
             <a:off x="0" y="3803914"/>
-            <a:ext cx="9144000" cy="646331"/>
+            <a:ext cx="9144000" cy="523220"/>
           </a:xfrm>
           <a:prstGeom prst="rect">
             <a:avLst/>
@@ -4779,37 +4723,17 @@
           <a:p>
             <a:pPr algn="ctr"/>
             <a:r>
-              <a:rPr lang="en-US" sz="3600" b="1" dirty="0">
+              <a:rPr lang="en-US" sz="2800" b="1" dirty="0">
                 <a:solidFill>
                   <a:srgbClr val="000066"/>
                 </a:solidFill>
-                <a:effectLst/>
               </a:rPr>
-              <a:t>( </a:t>
-            </a:r>
-            <a:r>
-              <a:rPr lang="en-US" sz="3600" b="1" dirty="0" smtClean="0">
-                <a:solidFill>
-                  <a:srgbClr val="000066"/>
-                </a:solidFill>
-                <a:effectLst/>
-              </a:rPr>
-              <a:t>2 </a:t>
-            </a:r>
-            <a:r>
-              <a:rPr lang="en-US" sz="3600" b="1" dirty="0">
-                <a:solidFill>
-                  <a:srgbClr val="000066"/>
-                </a:solidFill>
-                <a:effectLst/>
-              </a:rPr>
-              <a:t>)</a:t>
-            </a:r>
-            <a:endParaRPr lang="vi-VN" sz="3600" b="1" dirty="0">
+              <a:t>( 2 / 3 )</a:t>
+            </a:r>
+            <a:endParaRPr lang="vi-VN" sz="2800" b="1" dirty="0">
               <a:solidFill>
                 <a:srgbClr val="000066"/>
               </a:solidFill>
-              <a:effectLst/>
             </a:endParaRPr>
           </a:p>
         </p:txBody>
@@ -4937,7 +4861,7 @@
         <p:spPr>
           <a:xfrm>
             <a:off x="0" y="3803914"/>
-            <a:ext cx="9144000" cy="646331"/>
+            <a:ext cx="9144000" cy="523220"/>
           </a:xfrm>
           <a:prstGeom prst="rect">
             <a:avLst/>
@@ -4952,37 +4876,17 @@
           <a:p>
             <a:pPr algn="ctr"/>
             <a:r>
-              <a:rPr lang="en-US" sz="3600" b="1" dirty="0">
+              <a:rPr lang="en-US" sz="2800" b="1" dirty="0">
                 <a:solidFill>
                   <a:srgbClr val="000066"/>
                 </a:solidFill>
-                <a:effectLst/>
               </a:rPr>
-              <a:t>( </a:t>
-            </a:r>
-            <a:r>
-              <a:rPr lang="en-US" sz="3600" b="1" dirty="0" smtClean="0">
-                <a:solidFill>
-                  <a:srgbClr val="000066"/>
-                </a:solidFill>
-                <a:effectLst/>
-              </a:rPr>
-              <a:t>2 </a:t>
-            </a:r>
-            <a:r>
-              <a:rPr lang="en-US" sz="3600" b="1" dirty="0">
-                <a:solidFill>
-                  <a:srgbClr val="000066"/>
-                </a:solidFill>
-                <a:effectLst/>
-              </a:rPr>
-              <a:t>)</a:t>
-            </a:r>
-            <a:endParaRPr lang="vi-VN" sz="3600" b="1" dirty="0">
+              <a:t>( 2 / 3 )</a:t>
+            </a:r>
+            <a:endParaRPr lang="vi-VN" sz="2800" b="1" dirty="0">
               <a:solidFill>
                 <a:srgbClr val="000066"/>
               </a:solidFill>
-              <a:effectLst/>
             </a:endParaRPr>
           </a:p>
         </p:txBody>
@@ -5100,7 +5004,7 @@
         <p:spPr>
           <a:xfrm>
             <a:off x="0" y="3803914"/>
-            <a:ext cx="9144000" cy="646331"/>
+            <a:ext cx="9144000" cy="523220"/>
           </a:xfrm>
           <a:prstGeom prst="rect">
             <a:avLst/>
@@ -5115,37 +5019,17 @@
           <a:p>
             <a:pPr algn="ctr"/>
             <a:r>
-              <a:rPr lang="en-US" sz="3600" b="1" dirty="0">
+              <a:rPr lang="en-US" sz="2800" b="1" dirty="0">
                 <a:solidFill>
                   <a:srgbClr val="000066"/>
                 </a:solidFill>
-                <a:effectLst/>
               </a:rPr>
-              <a:t>( </a:t>
-            </a:r>
-            <a:r>
-              <a:rPr lang="en-US" sz="3600" b="1" dirty="0" smtClean="0">
-                <a:solidFill>
-                  <a:srgbClr val="000066"/>
-                </a:solidFill>
-                <a:effectLst/>
-              </a:rPr>
-              <a:t>2 </a:t>
-            </a:r>
-            <a:r>
-              <a:rPr lang="en-US" sz="3600" b="1" dirty="0">
-                <a:solidFill>
-                  <a:srgbClr val="000066"/>
-                </a:solidFill>
-                <a:effectLst/>
-              </a:rPr>
-              <a:t>)</a:t>
-            </a:r>
-            <a:endParaRPr lang="vi-VN" sz="3600" b="1" dirty="0">
+              <a:t>( 2 / 3 )</a:t>
+            </a:r>
+            <a:endParaRPr lang="vi-VN" sz="2800" b="1" dirty="0">
               <a:solidFill>
                 <a:srgbClr val="000066"/>
               </a:solidFill>
-              <a:effectLst/>
             </a:endParaRPr>
           </a:p>
         </p:txBody>
